--- a/Milestone_34/Presentation.pptx
+++ b/Milestone_34/Presentation.pptx
@@ -115,6 +115,11 @@
       </a:defRPr>
     </a:lvl9pPr>
   </p:defaultTextStyle>
+  <p:extLst>
+    <p:ext uri="{EFAFB233-063F-42B5-8137-9DF3F51BA10A}">
+      <p15:sldGuideLst xmlns:p15="http://schemas.microsoft.com/office/powerpoint/2012/main"/>
+    </p:ext>
+  </p:extLst>
 </p:presentation>
 </file>
 
@@ -3334,7 +3339,7 @@
           <a:p>
             <a:fld id="{53BEF823-48A5-43FC-BE03-E79964288B41}" type="datetimeFigureOut">
               <a:rPr lang="en-US" smtClean="0"/>
-              <a:t>12/9/25</a:t>
+              <a:t>12/10/2025</a:t>
             </a:fld>
             <a:endParaRPr lang="en-US" dirty="0"/>
           </a:p>
@@ -3545,7 +3550,7 @@
             <a:fld id="{53BEF823-48A5-43FC-BE03-E79964288B41}" type="datetimeFigureOut">
               <a:rPr lang="en-US" smtClean="0"/>
               <a:pPr algn="r"/>
-              <a:t>12/9/25</a:t>
+              <a:t>12/10/2025</a:t>
             </a:fld>
             <a:endParaRPr lang="en-US" dirty="0"/>
           </a:p>
@@ -3760,7 +3765,7 @@
             <a:fld id="{53BEF823-48A5-43FC-BE03-E79964288B41}" type="datetimeFigureOut">
               <a:rPr lang="en-US" smtClean="0"/>
               <a:pPr algn="r"/>
-              <a:t>12/9/25</a:t>
+              <a:t>12/10/2025</a:t>
             </a:fld>
             <a:endParaRPr lang="en-US" dirty="0"/>
           </a:p>
@@ -3963,7 +3968,7 @@
             <a:fld id="{53BEF823-48A5-43FC-BE03-E79964288B41}" type="datetimeFigureOut">
               <a:rPr lang="en-US" smtClean="0"/>
               <a:pPr algn="r"/>
-              <a:t>12/9/25</a:t>
+              <a:t>12/10/2025</a:t>
             </a:fld>
             <a:endParaRPr lang="en-US" dirty="0"/>
           </a:p>
@@ -4247,7 +4252,7 @@
             <a:fld id="{53BEF823-48A5-43FC-BE03-E79964288B41}" type="datetimeFigureOut">
               <a:rPr lang="en-US" smtClean="0"/>
               <a:pPr algn="r"/>
-              <a:t>12/9/25</a:t>
+              <a:t>12/10/2025</a:t>
             </a:fld>
             <a:endParaRPr lang="en-US" dirty="0"/>
           </a:p>
@@ -4491,7 +4496,7 @@
             <a:fld id="{53BEF823-48A5-43FC-BE03-E79964288B41}" type="datetimeFigureOut">
               <a:rPr lang="en-US" smtClean="0"/>
               <a:pPr algn="r"/>
-              <a:t>12/9/25</a:t>
+              <a:t>12/10/2025</a:t>
             </a:fld>
             <a:endParaRPr lang="en-US" dirty="0"/>
           </a:p>
@@ -4934,7 +4939,7 @@
             <a:fld id="{53BEF823-48A5-43FC-BE03-E79964288B41}" type="datetimeFigureOut">
               <a:rPr lang="en-US" smtClean="0"/>
               <a:pPr algn="r"/>
-              <a:t>12/9/25</a:t>
+              <a:t>12/10/2025</a:t>
             </a:fld>
             <a:endParaRPr lang="en-US" dirty="0"/>
           </a:p>
@@ -5080,7 +5085,7 @@
             <a:fld id="{53BEF823-48A5-43FC-BE03-E79964288B41}" type="datetimeFigureOut">
               <a:rPr lang="en-US" smtClean="0"/>
               <a:pPr algn="r"/>
-              <a:t>12/9/25</a:t>
+              <a:t>12/10/2025</a:t>
             </a:fld>
             <a:endParaRPr lang="en-US" dirty="0"/>
           </a:p>
@@ -5198,7 +5203,7 @@
             <a:fld id="{53BEF823-48A5-43FC-BE03-E79964288B41}" type="datetimeFigureOut">
               <a:rPr lang="en-US" smtClean="0"/>
               <a:pPr algn="r"/>
-              <a:t>12/9/25</a:t>
+              <a:t>12/10/2025</a:t>
             </a:fld>
             <a:endParaRPr lang="en-US" dirty="0"/>
           </a:p>
@@ -5482,7 +5487,7 @@
             <a:fld id="{53BEF823-48A5-43FC-BE03-E79964288B41}" type="datetimeFigureOut">
               <a:rPr lang="en-US" smtClean="0"/>
               <a:pPr algn="r"/>
-              <a:t>12/9/25</a:t>
+              <a:t>12/10/2025</a:t>
             </a:fld>
             <a:endParaRPr lang="en-US" dirty="0"/>
           </a:p>
@@ -5777,7 +5782,7 @@
             <a:fld id="{53BEF823-48A5-43FC-BE03-E79964288B41}" type="datetimeFigureOut">
               <a:rPr lang="en-US" smtClean="0"/>
               <a:pPr algn="r"/>
-              <a:t>12/9/25</a:t>
+              <a:t>12/10/2025</a:t>
             </a:fld>
             <a:endParaRPr lang="en-US" dirty="0"/>
           </a:p>
@@ -6272,7 +6277,7 @@
             <a:fld id="{53BEF823-48A5-43FC-BE03-E79964288B41}" type="datetimeFigureOut">
               <a:rPr lang="en-US" smtClean="0"/>
               <a:pPr algn="r"/>
-              <a:t>12/9/25</a:t>
+              <a:t>12/10/2025</a:t>
             </a:fld>
             <a:endParaRPr lang="en-US" dirty="0"/>
           </a:p>
@@ -7745,12 +7750,12 @@
         <p:spPr>
           <a:xfrm>
             <a:off x="758824" y="2607732"/>
-            <a:ext cx="8412480" cy="3174357"/>
+            <a:ext cx="10493376" cy="3870793"/>
           </a:xfrm>
         </p:spPr>
         <p:txBody>
           <a:bodyPr>
-            <a:normAutofit/>
+            <a:normAutofit lnSpcReduction="10000"/>
           </a:bodyPr>
           <a:lstStyle/>
           <a:p>
@@ -7764,6 +7769,24 @@
               <a:rPr lang="en-US" dirty="0"/>
               <a:t>(Such as the shipments vs orders relationships.)</a:t>
             </a:r>
+          </a:p>
+          <a:p>
+            <a:endParaRPr lang="en-US" dirty="0"/>
+          </a:p>
+          <a:p>
+            <a:endParaRPr lang="en-US" dirty="0"/>
+          </a:p>
+          <a:p>
+            <a:endParaRPr lang="en-US" dirty="0"/>
+          </a:p>
+          <a:p>
+            <a:r>
+              <a:rPr lang="en-US" dirty="0"/>
+              <a:t>The wines “age” differently. Without the information for the year the wine was produced, we would have incomplete data and be unable to know which year is not selling and which is. Based on the report on the wines that haven’t sold, we can locate Chardonnay 2024, 2025 and Chablis 2024, 2025 are not fan favorites from our distributors. </a:t>
+            </a:r>
+          </a:p>
+          <a:p>
+            <a:endParaRPr lang="en-US" dirty="0"/>
           </a:p>
         </p:txBody>
       </p:sp>
@@ -9192,14 +9215,59 @@
         <p:spPr>
           <a:xfrm>
             <a:off x="758824" y="2607732"/>
-            <a:ext cx="7618694" cy="3174357"/>
+            <a:ext cx="7618694" cy="3437468"/>
           </a:xfrm>
         </p:spPr>
         <p:txBody>
           <a:bodyPr vert="horz" lIns="91440" tIns="45720" rIns="91440" bIns="45720" rtlCol="0">
-            <a:normAutofit/>
+            <a:normAutofit fontScale="85000" lnSpcReduction="10000"/>
           </a:bodyPr>
           <a:lstStyle/>
+          <a:p>
+            <a:pPr marL="0" indent="0">
+              <a:buNone/>
+            </a:pPr>
+            <a:r>
+              <a:rPr lang="en-US" dirty="0"/>
+              <a:t>We are part of Team Blue and for our case study we decided to choose the Bacchus Winery Case. Our team members are Robert, Sara and Carolina.</a:t>
+            </a:r>
+          </a:p>
+          <a:p>
+            <a:pPr marL="0" indent="0">
+              <a:buNone/>
+            </a:pPr>
+            <a:r>
+              <a:rPr lang="en-US" dirty="0"/>
+              <a:t>Robert contributed the business rules, the initial ERD, and prepared a report for how many hours each employee worked during the last quarter.</a:t>
+            </a:r>
+          </a:p>
+          <a:p>
+            <a:pPr marL="0" indent="0">
+              <a:buNone/>
+            </a:pPr>
+            <a:r>
+              <a:rPr lang="en-US" dirty="0"/>
+              <a:t>Sara contributed updates to the initial ERD and database, while preparing a report on supplies delivery time and any gap between expected delivery. </a:t>
+            </a:r>
+          </a:p>
+          <a:p>
+            <a:pPr marL="0" indent="0">
+              <a:buNone/>
+            </a:pPr>
+            <a:r>
+              <a:rPr lang="en-US" dirty="0"/>
+              <a:t> Carolina contributed updates to the business rules and initial ERD and prepared a report on which distributor orders which wine, which wine sold, and which didn’t. </a:t>
+            </a:r>
+          </a:p>
+          <a:p>
+            <a:pPr marL="0" indent="0">
+              <a:buNone/>
+            </a:pPr>
+            <a:r>
+              <a:rPr lang="en-US" dirty="0"/>
+              <a:t>Together we prepared this presentation and took note on the assumptions we made during this project.</a:t>
+            </a:r>
+          </a:p>
           <a:p>
             <a:pPr marL="0" indent="0">
               <a:buNone/>
@@ -9695,7 +9763,7 @@
         <p:spPr>
           <a:xfrm>
             <a:off x="758824" y="2607732"/>
-            <a:ext cx="8033636" cy="3174357"/>
+            <a:ext cx="8033636" cy="3300051"/>
           </a:xfrm>
         </p:spPr>
         <p:txBody>
@@ -9704,12 +9772,15 @@
           </a:bodyPr>
           <a:lstStyle/>
           <a:p>
-            <a:pPr marL="0" indent="0">
-              <a:buNone/>
-            </a:pPr>
             <a:r>
               <a:rPr lang="en-US" dirty="0"/>
-              <a:t>Overview of the Case Study</a:t>
+              <a:t>The case study involves helping Bacchus Winery with their operations team by creating a database system to track suppliers, wine production, inventory, distribution and employee hours. The owners need accurate reports on supply deliveries, wine sales and employee work time to make sure their winery is running according to budget. </a:t>
+            </a:r>
+          </a:p>
+          <a:p>
+            <a:r>
+              <a:rPr lang="en-US" dirty="0"/>
+              <a:t>Our objective was to design a database structure, create exact reports and ensure data is clear for new decisions. </a:t>
             </a:r>
           </a:p>
           <a:p>
@@ -10685,47 +10756,6 @@
       </p:sp>
       <p:sp>
         <p:nvSpPr>
-          <p:cNvPr id="3" name="Content Placeholder 2">
-            <a:extLst>
-              <a:ext uri="{FF2B5EF4-FFF2-40B4-BE49-F238E27FC236}">
-                <a16:creationId xmlns:a16="http://schemas.microsoft.com/office/drawing/2014/main" id="{16F04554-D6C0-1ADE-CE5F-DF28E0EE1034}"/>
-              </a:ext>
-            </a:extLst>
-          </p:cNvPr>
-          <p:cNvSpPr>
-            <a:spLocks noGrp="1"/>
-          </p:cNvSpPr>
-          <p:nvPr>
-            <p:ph idx="1"/>
-          </p:nvPr>
-        </p:nvSpPr>
-        <p:spPr>
-          <a:xfrm>
-            <a:off x="543671" y="2665474"/>
-            <a:ext cx="11240339" cy="3174357"/>
-          </a:xfrm>
-        </p:spPr>
-        <p:txBody>
-          <a:bodyPr>
-            <a:normAutofit/>
-          </a:bodyPr>
-          <a:lstStyle/>
-          <a:p>
-            <a:r>
-              <a:rPr lang="en-US" dirty="0"/>
-              <a:t>(This may be multiple Slides.)</a:t>
-            </a:r>
-          </a:p>
-          <a:p>
-            <a:r>
-              <a:rPr lang="en-US" dirty="0"/>
-              <a:t>Possibly break down the ERD into the Supplier Tables, Distributor Tables, and the Internal Tables)</a:t>
-            </a:r>
-          </a:p>
-        </p:txBody>
-      </p:sp>
-      <p:sp>
-        <p:nvSpPr>
           <p:cNvPr id="12" name="Freeform 6">
             <a:extLst>
               <a:ext uri="{FF2B5EF4-FFF2-40B4-BE49-F238E27FC236}">
@@ -10948,6 +10978,55 @@
           </a:p>
         </p:txBody>
       </p:sp>
+      <p:pic>
+        <p:nvPicPr>
+          <p:cNvPr id="4" name="Content Placeholder 3" descr="A diagram of a diagram&#10;&#10;AI-generated content may be incorrect.">
+            <a:extLst>
+              <a:ext uri="{FF2B5EF4-FFF2-40B4-BE49-F238E27FC236}">
+                <a16:creationId xmlns:a16="http://schemas.microsoft.com/office/drawing/2014/main" id="{BDB7EDC1-F2A8-9222-EF5F-DCEB7313FBA6}"/>
+              </a:ext>
+            </a:extLst>
+          </p:cNvPr>
+          <p:cNvPicPr>
+            <a:picLocks noGrp="1" noChangeAspect="1"/>
+          </p:cNvPicPr>
+          <p:nvPr>
+            <p:ph idx="1"/>
+          </p:nvPr>
+        </p:nvPicPr>
+        <p:blipFill>
+          <a:blip r:embed="rId2" cstate="print">
+            <a:extLst>
+              <a:ext uri="{28A0092B-C50C-407E-A947-70E740481C1C}">
+                <a14:useLocalDpi xmlns:a14="http://schemas.microsoft.com/office/drawing/2010/main" val="0"/>
+              </a:ext>
+            </a:extLst>
+          </a:blip>
+          <a:srcRect/>
+          <a:stretch>
+            <a:fillRect/>
+          </a:stretch>
+        </p:blipFill>
+        <p:spPr bwMode="auto">
+          <a:xfrm>
+            <a:off x="133043" y="1624405"/>
+            <a:ext cx="11813113" cy="4854119"/>
+          </a:xfrm>
+          <a:prstGeom prst="rect">
+            <a:avLst/>
+          </a:prstGeom>
+          <a:ln>
+            <a:noFill/>
+          </a:ln>
+          <a:effectLst>
+            <a:outerShdw blurRad="292100" dist="139700" dir="2700000" algn="tl" rotWithShape="0">
+              <a:srgbClr val="333333">
+                <a:alpha val="65000"/>
+              </a:srgbClr>
+            </a:outerShdw>
+          </a:effectLst>
+        </p:spPr>
+      </p:pic>
     </p:spTree>
     <p:extLst>
       <p:ext uri="{BB962C8B-B14F-4D97-AF65-F5344CB8AC3E}">
@@ -12058,12 +12137,12 @@
           <a:lstStyle/>
           <a:p>
             <a:r>
-              <a:rPr lang="en-US" sz="5100">
+              <a:rPr lang="en-US" sz="5100" dirty="0">
                 <a:solidFill>
                   <a:schemeClr val="bg1"/>
                 </a:solidFill>
               </a:rPr>
-              <a:t>Report 2: Change in Wine Purchases over Time</a:t>
+              <a:t>Report 2: Wine Purchases and Who distributes which. </a:t>
             </a:r>
           </a:p>
         </p:txBody>

--- a/Milestone_34/Presentation.pptx
+++ b/Milestone_34/Presentation.pptx
@@ -10,13 +10,14 @@
     <p:sldId id="259" r:id="rId4"/>
     <p:sldId id="260" r:id="rId5"/>
     <p:sldId id="261" r:id="rId6"/>
-    <p:sldId id="262" r:id="rId7"/>
-    <p:sldId id="263" r:id="rId8"/>
-    <p:sldId id="264" r:id="rId9"/>
-    <p:sldId id="265" r:id="rId10"/>
-    <p:sldId id="266" r:id="rId11"/>
-    <p:sldId id="267" r:id="rId12"/>
-    <p:sldId id="268" r:id="rId13"/>
+    <p:sldId id="269" r:id="rId7"/>
+    <p:sldId id="262" r:id="rId8"/>
+    <p:sldId id="263" r:id="rId9"/>
+    <p:sldId id="264" r:id="rId10"/>
+    <p:sldId id="265" r:id="rId11"/>
+    <p:sldId id="266" r:id="rId12"/>
+    <p:sldId id="267" r:id="rId13"/>
+    <p:sldId id="268" r:id="rId14"/>
   </p:sldIdLst>
   <p:sldSz cx="12192000" cy="6858000"/>
   <p:notesSz cx="6858000" cy="9144000"/>
@@ -1102,8 +1103,8 @@
         <a:lstStyle/>
         <a:p>
           <a:r>
-            <a:rPr lang="en-US"/>
-            <a:t>Report to show what wines the distributors are selling more or less of over time.</a:t>
+            <a:rPr lang="en-US" dirty="0"/>
+            <a:t>Report to show what wines the distributors are selling more.</a:t>
           </a:r>
         </a:p>
       </dgm:t>
@@ -1261,7 +1262,7 @@
       <dgm:spPr/>
     </dgm:pt>
     <dgm:pt modelId="{A42E8547-2386-488A-8480-E79CF2F5FDAC}" type="pres">
-      <dgm:prSet presAssocID="{5D87FA5D-52E3-413B-8DF1-A886314C76DF}" presName="textRect" presStyleLbl="revTx" presStyleIdx="1" presStyleCnt="3">
+      <dgm:prSet presAssocID="{5D87FA5D-52E3-413B-8DF1-A886314C76DF}" presName="textRect" presStyleLbl="revTx" presStyleIdx="1" presStyleCnt="3" custLinFactY="6928" custLinFactNeighborX="4061" custLinFactNeighborY="100000">
         <dgm:presLayoutVars>
           <dgm:chMax val="1"/>
           <dgm:chPref val="1"/>
@@ -1367,8 +1368,8 @@
       </dsp:nvSpPr>
       <dsp:spPr>
         <a:xfrm>
-          <a:off x="1263090" y="394853"/>
-          <a:ext cx="1308996" cy="1308996"/>
+          <a:off x="932131" y="930748"/>
+          <a:ext cx="1448032" cy="1448032"/>
         </a:xfrm>
         <a:prstGeom prst="rect">
           <a:avLst/>
@@ -1417,8 +1418,8 @@
       </dsp:nvSpPr>
       <dsp:spPr>
         <a:xfrm>
-          <a:off x="463148" y="2061988"/>
-          <a:ext cx="2908881" cy="720000"/>
+          <a:off x="47222" y="2761396"/>
+          <a:ext cx="3217851" cy="720000"/>
         </a:xfrm>
         <a:prstGeom prst="rect">
           <a:avLst/>
@@ -1447,7 +1448,7 @@
         </a:bodyPr>
         <a:lstStyle/>
         <a:p>
-          <a:pPr marL="0" lvl="0" indent="0" algn="ctr" defTabSz="666750">
+          <a:pPr marL="0" lvl="0" indent="0" algn="ctr" defTabSz="711200">
             <a:lnSpc>
               <a:spcPct val="90000"/>
             </a:lnSpc>
@@ -1460,14 +1461,14 @@
             <a:buNone/>
           </a:pPr>
           <a:r>
-            <a:rPr lang="en-US" sz="1500" kern="1200"/>
+            <a:rPr lang="en-US" sz="1600" kern="1200"/>
             <a:t>Report to show difference in expected delivery of supplies and actual delivery of supplies.</a:t>
           </a:r>
         </a:p>
       </dsp:txBody>
       <dsp:txXfrm>
-        <a:off x="463148" y="2061988"/>
-        <a:ext cx="2908881" cy="720000"/>
+        <a:off x="47222" y="2761396"/>
+        <a:ext cx="3217851" cy="720000"/>
       </dsp:txXfrm>
     </dsp:sp>
     <dsp:sp modelId="{F387AB72-8AE8-46E2-8311-77EA799AFB76}">
@@ -1477,8 +1478,8 @@
       </dsp:nvSpPr>
       <dsp:spPr>
         <a:xfrm>
-          <a:off x="4681025" y="394853"/>
-          <a:ext cx="1308996" cy="1308996"/>
+          <a:off x="4713107" y="930748"/>
+          <a:ext cx="1448032" cy="1448032"/>
         </a:xfrm>
         <a:prstGeom prst="rect">
           <a:avLst/>
@@ -1527,8 +1528,8 @@
       </dsp:nvSpPr>
       <dsp:spPr>
         <a:xfrm>
-          <a:off x="3881083" y="2061988"/>
-          <a:ext cx="2908881" cy="720000"/>
+          <a:off x="3958874" y="3531278"/>
+          <a:ext cx="3217851" cy="720000"/>
         </a:xfrm>
         <a:prstGeom prst="rect">
           <a:avLst/>
@@ -1557,7 +1558,7 @@
         </a:bodyPr>
         <a:lstStyle/>
         <a:p>
-          <a:pPr marL="0" lvl="0" indent="0" algn="ctr" defTabSz="666750">
+          <a:pPr marL="0" lvl="0" indent="0" algn="ctr" defTabSz="711200">
             <a:lnSpc>
               <a:spcPct val="90000"/>
             </a:lnSpc>
@@ -1570,14 +1571,14 @@
             <a:buNone/>
           </a:pPr>
           <a:r>
-            <a:rPr lang="en-US" sz="1500" kern="1200"/>
-            <a:t>Report to show what wines the distributors are selling more or less of over time.</a:t>
+            <a:rPr lang="en-US" sz="1600" kern="1200" dirty="0"/>
+            <a:t>Report to show what wines the distributors are selling more.</a:t>
           </a:r>
         </a:p>
       </dsp:txBody>
       <dsp:txXfrm>
-        <a:off x="3881083" y="2061988"/>
-        <a:ext cx="2908881" cy="720000"/>
+        <a:off x="3958874" y="3531278"/>
+        <a:ext cx="3217851" cy="720000"/>
       </dsp:txXfrm>
     </dsp:sp>
     <dsp:sp modelId="{6530D6E0-A2CB-4031-A192-B54E747194EA}">
@@ -1587,8 +1588,8 @@
       </dsp:nvSpPr>
       <dsp:spPr>
         <a:xfrm>
-          <a:off x="8098960" y="394853"/>
-          <a:ext cx="1308996" cy="1308996"/>
+          <a:off x="8494082" y="930748"/>
+          <a:ext cx="1448032" cy="1448032"/>
         </a:xfrm>
         <a:prstGeom prst="rect">
           <a:avLst/>
@@ -1637,8 +1638,8 @@
       </dsp:nvSpPr>
       <dsp:spPr>
         <a:xfrm>
-          <a:off x="7299018" y="2061988"/>
-          <a:ext cx="2908881" cy="720000"/>
+          <a:off x="7609172" y="2761396"/>
+          <a:ext cx="3217851" cy="720000"/>
         </a:xfrm>
         <a:prstGeom prst="rect">
           <a:avLst/>
@@ -1667,7 +1668,7 @@
         </a:bodyPr>
         <a:lstStyle/>
         <a:p>
-          <a:pPr marL="0" lvl="0" indent="0" algn="ctr" defTabSz="666750">
+          <a:pPr marL="0" lvl="0" indent="0" algn="ctr" defTabSz="711200">
             <a:lnSpc>
               <a:spcPct val="90000"/>
             </a:lnSpc>
@@ -1680,14 +1681,14 @@
             <a:buNone/>
           </a:pPr>
           <a:r>
-            <a:rPr lang="en-US" sz="1500" kern="1200"/>
+            <a:rPr lang="en-US" sz="1600" kern="1200"/>
             <a:t>Report to show average number of hours worked each week by employees over a period of time.</a:t>
           </a:r>
         </a:p>
       </dsp:txBody>
       <dsp:txXfrm>
-        <a:off x="7299018" y="2061988"/>
-        <a:ext cx="2908881" cy="720000"/>
+        <a:off x="7609172" y="2761396"/>
+        <a:ext cx="3217851" cy="720000"/>
       </dsp:txXfrm>
     </dsp:sp>
   </dsp:spTree>
@@ -3339,7 +3340,7 @@
           <a:p>
             <a:fld id="{53BEF823-48A5-43FC-BE03-E79964288B41}" type="datetimeFigureOut">
               <a:rPr lang="en-US" smtClean="0"/>
-              <a:t>12/10/2025</a:t>
+              <a:t>12/11/2025</a:t>
             </a:fld>
             <a:endParaRPr lang="en-US" dirty="0"/>
           </a:p>
@@ -3550,7 +3551,7 @@
             <a:fld id="{53BEF823-48A5-43FC-BE03-E79964288B41}" type="datetimeFigureOut">
               <a:rPr lang="en-US" smtClean="0"/>
               <a:pPr algn="r"/>
-              <a:t>12/10/2025</a:t>
+              <a:t>12/11/2025</a:t>
             </a:fld>
             <a:endParaRPr lang="en-US" dirty="0"/>
           </a:p>
@@ -3765,7 +3766,7 @@
             <a:fld id="{53BEF823-48A5-43FC-BE03-E79964288B41}" type="datetimeFigureOut">
               <a:rPr lang="en-US" smtClean="0"/>
               <a:pPr algn="r"/>
-              <a:t>12/10/2025</a:t>
+              <a:t>12/11/2025</a:t>
             </a:fld>
             <a:endParaRPr lang="en-US" dirty="0"/>
           </a:p>
@@ -3968,7 +3969,7 @@
             <a:fld id="{53BEF823-48A5-43FC-BE03-E79964288B41}" type="datetimeFigureOut">
               <a:rPr lang="en-US" smtClean="0"/>
               <a:pPr algn="r"/>
-              <a:t>12/10/2025</a:t>
+              <a:t>12/11/2025</a:t>
             </a:fld>
             <a:endParaRPr lang="en-US" dirty="0"/>
           </a:p>
@@ -4252,7 +4253,7 @@
             <a:fld id="{53BEF823-48A5-43FC-BE03-E79964288B41}" type="datetimeFigureOut">
               <a:rPr lang="en-US" smtClean="0"/>
               <a:pPr algn="r"/>
-              <a:t>12/10/2025</a:t>
+              <a:t>12/11/2025</a:t>
             </a:fld>
             <a:endParaRPr lang="en-US" dirty="0"/>
           </a:p>
@@ -4496,7 +4497,7 @@
             <a:fld id="{53BEF823-48A5-43FC-BE03-E79964288B41}" type="datetimeFigureOut">
               <a:rPr lang="en-US" smtClean="0"/>
               <a:pPr algn="r"/>
-              <a:t>12/10/2025</a:t>
+              <a:t>12/11/2025</a:t>
             </a:fld>
             <a:endParaRPr lang="en-US" dirty="0"/>
           </a:p>
@@ -4939,7 +4940,7 @@
             <a:fld id="{53BEF823-48A5-43FC-BE03-E79964288B41}" type="datetimeFigureOut">
               <a:rPr lang="en-US" smtClean="0"/>
               <a:pPr algn="r"/>
-              <a:t>12/10/2025</a:t>
+              <a:t>12/11/2025</a:t>
             </a:fld>
             <a:endParaRPr lang="en-US" dirty="0"/>
           </a:p>
@@ -5085,7 +5086,7 @@
             <a:fld id="{53BEF823-48A5-43FC-BE03-E79964288B41}" type="datetimeFigureOut">
               <a:rPr lang="en-US" smtClean="0"/>
               <a:pPr algn="r"/>
-              <a:t>12/10/2025</a:t>
+              <a:t>12/11/2025</a:t>
             </a:fld>
             <a:endParaRPr lang="en-US" dirty="0"/>
           </a:p>
@@ -5203,7 +5204,7 @@
             <a:fld id="{53BEF823-48A5-43FC-BE03-E79964288B41}" type="datetimeFigureOut">
               <a:rPr lang="en-US" smtClean="0"/>
               <a:pPr algn="r"/>
-              <a:t>12/10/2025</a:t>
+              <a:t>12/11/2025</a:t>
             </a:fld>
             <a:endParaRPr lang="en-US" dirty="0"/>
           </a:p>
@@ -5487,7 +5488,7 @@
             <a:fld id="{53BEF823-48A5-43FC-BE03-E79964288B41}" type="datetimeFigureOut">
               <a:rPr lang="en-US" smtClean="0"/>
               <a:pPr algn="r"/>
-              <a:t>12/10/2025</a:t>
+              <a:t>12/11/2025</a:t>
             </a:fld>
             <a:endParaRPr lang="en-US" dirty="0"/>
           </a:p>
@@ -5782,7 +5783,7 @@
             <a:fld id="{53BEF823-48A5-43FC-BE03-E79964288B41}" type="datetimeFigureOut">
               <a:rPr lang="en-US" smtClean="0"/>
               <a:pPr algn="r"/>
-              <a:t>12/10/2025</a:t>
+              <a:t>12/11/2025</a:t>
             </a:fld>
             <a:endParaRPr lang="en-US" dirty="0"/>
           </a:p>
@@ -6277,7 +6278,7 @@
             <a:fld id="{53BEF823-48A5-43FC-BE03-E79964288B41}" type="datetimeFigureOut">
               <a:rPr lang="en-US" smtClean="0"/>
               <a:pPr algn="r"/>
-              <a:t>12/10/2025</a:t>
+              <a:t>12/11/2025</a:t>
             </a:fld>
             <a:endParaRPr lang="en-US" dirty="0"/>
           </a:p>
@@ -7697,7 +7698,7 @@
           <p:cNvPr id="2" name="Title 1">
             <a:extLst>
               <a:ext uri="{FF2B5EF4-FFF2-40B4-BE49-F238E27FC236}">
-                <a16:creationId xmlns:a16="http://schemas.microsoft.com/office/drawing/2014/main" id="{408C122E-86D2-60B0-26F5-01CDA0E510AF}"/>
+                <a16:creationId xmlns:a16="http://schemas.microsoft.com/office/drawing/2014/main" id="{C83F1664-E984-743C-A5C1-DAEBF9AC6B76}"/>
               </a:ext>
             </a:extLst>
           </p:cNvPr>
@@ -7721,12 +7722,12 @@
           <a:lstStyle/>
           <a:p>
             <a:r>
-              <a:rPr lang="en-US">
+              <a:rPr lang="en-US" sz="5100">
                 <a:solidFill>
                   <a:schemeClr val="bg1"/>
                 </a:solidFill>
               </a:rPr>
-              <a:t>Assumptions Made</a:t>
+              <a:t>Report 3: Employee Hours per week over the last period</a:t>
             </a:r>
           </a:p>
         </p:txBody>
@@ -7736,7 +7737,7 @@
           <p:cNvPr id="3" name="Content Placeholder 2">
             <a:extLst>
               <a:ext uri="{FF2B5EF4-FFF2-40B4-BE49-F238E27FC236}">
-                <a16:creationId xmlns:a16="http://schemas.microsoft.com/office/drawing/2014/main" id="{3F31C386-372E-CFEC-28C5-24D27DFF4462}"/>
+                <a16:creationId xmlns:a16="http://schemas.microsoft.com/office/drawing/2014/main" id="{51749F38-385E-D63A-DE28-83FE8D4C00F1}"/>
               </a:ext>
             </a:extLst>
           </p:cNvPr>
@@ -7750,39 +7751,18 @@
         <p:spPr>
           <a:xfrm>
             <a:off x="758824" y="2607732"/>
-            <a:ext cx="10493376" cy="3870793"/>
+            <a:ext cx="5601635" cy="3174357"/>
           </a:xfrm>
         </p:spPr>
         <p:txBody>
           <a:bodyPr>
-            <a:normAutofit lnSpcReduction="10000"/>
+            <a:normAutofit/>
           </a:bodyPr>
           <a:lstStyle/>
           <a:p>
             <a:r>
               <a:rPr lang="en-US" dirty="0"/>
-              <a:t>List all assumptions made during the process of making the ERD and business rules.</a:t>
-            </a:r>
-          </a:p>
-          <a:p>
-            <a:r>
-              <a:rPr lang="en-US" dirty="0"/>
-              <a:t>(Such as the shipments vs orders relationships.)</a:t>
-            </a:r>
-          </a:p>
-          <a:p>
-            <a:endParaRPr lang="en-US" dirty="0"/>
-          </a:p>
-          <a:p>
-            <a:endParaRPr lang="en-US" dirty="0"/>
-          </a:p>
-          <a:p>
-            <a:endParaRPr lang="en-US" dirty="0"/>
-          </a:p>
-          <a:p>
-            <a:r>
-              <a:rPr lang="en-US" dirty="0"/>
-              <a:t>The wines “age” differently. Without the information for the year the wine was produced, we would have incomplete data and be unable to know which year is not selling and which is. Based on the report on the wines that haven’t sold, we can locate Chardonnay 2024, 2025 and Chablis 2024, 2025 are not fan favorites from our distributors. </a:t>
+              <a:t>SQL Code/Description</a:t>
             </a:r>
           </a:p>
           <a:p>
@@ -8017,7 +7997,7 @@
     </p:spTree>
     <p:extLst>
       <p:ext uri="{BB962C8B-B14F-4D97-AF65-F5344CB8AC3E}">
-        <p14:creationId xmlns:p14="http://schemas.microsoft.com/office/powerpoint/2010/main" val="891514236"/>
+        <p14:creationId xmlns:p14="http://schemas.microsoft.com/office/powerpoint/2010/main" val="3981163447"/>
       </p:ext>
     </p:extLst>
   </p:cSld>
@@ -8183,7 +8163,7 @@
           <p:cNvPr id="2" name="Title 1">
             <a:extLst>
               <a:ext uri="{FF2B5EF4-FFF2-40B4-BE49-F238E27FC236}">
-                <a16:creationId xmlns:a16="http://schemas.microsoft.com/office/drawing/2014/main" id="{C9AA62CE-7C70-5184-EAB7-0BD784F2E62B}"/>
+                <a16:creationId xmlns:a16="http://schemas.microsoft.com/office/drawing/2014/main" id="{408C122E-86D2-60B0-26F5-01CDA0E510AF}"/>
               </a:ext>
             </a:extLst>
           </p:cNvPr>
@@ -8212,7 +8192,7 @@
                   <a:schemeClr val="bg1"/>
                 </a:solidFill>
               </a:rPr>
-              <a:t>Challenges and Resolutoins</a:t>
+              <a:t>Assumptions Made</a:t>
             </a:r>
           </a:p>
         </p:txBody>
@@ -8222,7 +8202,7 @@
           <p:cNvPr id="3" name="Content Placeholder 2">
             <a:extLst>
               <a:ext uri="{FF2B5EF4-FFF2-40B4-BE49-F238E27FC236}">
-                <a16:creationId xmlns:a16="http://schemas.microsoft.com/office/drawing/2014/main" id="{DF0E4B31-DEAD-22EB-A51B-F1119227BAC1}"/>
+                <a16:creationId xmlns:a16="http://schemas.microsoft.com/office/drawing/2014/main" id="{3F31C386-372E-CFEC-28C5-24D27DFF4462}"/>
               </a:ext>
             </a:extLst>
           </p:cNvPr>
@@ -8236,31 +8216,43 @@
         <p:spPr>
           <a:xfrm>
             <a:off x="758824" y="2607732"/>
-            <a:ext cx="8412480" cy="3174357"/>
+            <a:ext cx="10493376" cy="3870793"/>
           </a:xfrm>
         </p:spPr>
         <p:txBody>
           <a:bodyPr>
-            <a:normAutofit/>
+            <a:normAutofit lnSpcReduction="10000"/>
           </a:bodyPr>
           <a:lstStyle/>
           <a:p>
             <a:r>
               <a:rPr lang="en-US" dirty="0"/>
-              <a:t>List any hurdles during the ERD creation.</a:t>
+              <a:t>List all assumptions made during the process of making the ERD and business rules.</a:t>
             </a:r>
           </a:p>
           <a:p>
             <a:r>
               <a:rPr lang="en-US" dirty="0"/>
-              <a:t>Any issues the team resolved?</a:t>
+              <a:t>(Such as the shipments vs orders relationships.)</a:t>
             </a:r>
+          </a:p>
+          <a:p>
+            <a:endParaRPr lang="en-US" dirty="0"/>
+          </a:p>
+          <a:p>
+            <a:endParaRPr lang="en-US" dirty="0"/>
+          </a:p>
+          <a:p>
+            <a:endParaRPr lang="en-US" dirty="0"/>
           </a:p>
           <a:p>
             <a:r>
               <a:rPr lang="en-US" dirty="0"/>
-              <a:t>Any lessons learned?</a:t>
+              <a:t>The wines “age” differently. Without the information for the year the wine was produced, we would have incomplete data and be unable to know which year is not selling and which is. Based on the report on the wines that haven’t sold, we can locate Chardonnay 2024, 2025 and Chablis 2024, 2025 are not fan favorites from our distributors. </a:t>
             </a:r>
+          </a:p>
+          <a:p>
+            <a:endParaRPr lang="en-US" dirty="0"/>
           </a:p>
         </p:txBody>
       </p:sp>
@@ -8491,6 +8483,480 @@
     </p:spTree>
     <p:extLst>
       <p:ext uri="{BB962C8B-B14F-4D97-AF65-F5344CB8AC3E}">
+        <p14:creationId xmlns:p14="http://schemas.microsoft.com/office/powerpoint/2010/main" val="891514236"/>
+      </p:ext>
+    </p:extLst>
+  </p:cSld>
+  <p:clrMapOvr>
+    <a:masterClrMapping/>
+  </p:clrMapOvr>
+</p:sld>
+</file>
+
+<file path=ppt/slides/slide12.xml><?xml version="1.0" encoding="utf-8"?>
+<p:sld xmlns:a="http://schemas.openxmlformats.org/drawingml/2006/main" xmlns:r="http://schemas.openxmlformats.org/officeDocument/2006/relationships" xmlns:p="http://schemas.openxmlformats.org/presentationml/2006/main">
+  <p:cSld>
+    <p:bg>
+      <p:bgPr>
+        <a:solidFill>
+          <a:schemeClr val="bg2"/>
+        </a:solidFill>
+        <a:effectLst/>
+      </p:bgPr>
+    </p:bg>
+    <p:spTree>
+      <p:nvGrpSpPr>
+        <p:cNvPr id="1" name=""/>
+        <p:cNvGrpSpPr/>
+        <p:nvPr/>
+      </p:nvGrpSpPr>
+      <p:grpSpPr>
+        <a:xfrm>
+          <a:off x="0" y="0"/>
+          <a:ext cx="0" cy="0"/>
+          <a:chOff x="0" y="0"/>
+          <a:chExt cx="0" cy="0"/>
+        </a:xfrm>
+      </p:grpSpPr>
+      <p:sp useBgFill="1">
+        <p:nvSpPr>
+          <p:cNvPr id="8" name="Rectangle 7">
+            <a:extLst>
+              <a:ext uri="{FF2B5EF4-FFF2-40B4-BE49-F238E27FC236}">
+                <a16:creationId xmlns:a16="http://schemas.microsoft.com/office/drawing/2014/main" id="{C5176844-69C3-4F79-BE38-EA5BDDF4FEA4}"/>
+              </a:ext>
+              <a:ext uri="{C183D7F6-B498-43B3-948B-1728B52AA6E4}">
+                <adec:decorative xmlns:adec="http://schemas.microsoft.com/office/drawing/2017/decorative" val="1"/>
+              </a:ext>
+            </a:extLst>
+          </p:cNvPr>
+          <p:cNvSpPr>
+            <a:spLocks noGrp="1" noRot="1" noChangeAspect="1" noMove="1" noResize="1" noEditPoints="1" noAdjustHandles="1" noChangeArrowheads="1" noChangeShapeType="1" noTextEdit="1"/>
+          </p:cNvSpPr>
+          <p:nvPr>
+            <p:extLst>
+              <p:ext uri="{386F3935-93C4-4BCD-93E2-E3B085C9AB24}">
+                <p16:designElem xmlns:p16="http://schemas.microsoft.com/office/powerpoint/2015/main" val="1"/>
+              </p:ext>
+            </p:extLst>
+          </p:nvPr>
+        </p:nvSpPr>
+        <p:spPr>
+          <a:xfrm>
+            <a:off x="0" y="0"/>
+            <a:ext cx="12192000" cy="6858000"/>
+          </a:xfrm>
+          <a:prstGeom prst="rect">
+            <a:avLst/>
+          </a:prstGeom>
+          <a:ln>
+            <a:noFill/>
+          </a:ln>
+        </p:spPr>
+        <p:style>
+          <a:lnRef idx="2">
+            <a:schemeClr val="accent1">
+              <a:shade val="50000"/>
+            </a:schemeClr>
+          </a:lnRef>
+          <a:fillRef idx="1">
+            <a:schemeClr val="accent1"/>
+          </a:fillRef>
+          <a:effectRef idx="0">
+            <a:schemeClr val="accent1"/>
+          </a:effectRef>
+          <a:fontRef idx="minor">
+            <a:schemeClr val="lt1"/>
+          </a:fontRef>
+        </p:style>
+        <p:txBody>
+          <a:bodyPr rtlCol="0" anchor="ctr"/>
+          <a:lstStyle/>
+          <a:p>
+            <a:pPr algn="ctr"/>
+            <a:endParaRPr lang="en-US"/>
+          </a:p>
+        </p:txBody>
+      </p:sp>
+      <p:sp>
+        <p:nvSpPr>
+          <p:cNvPr id="10" name="Rectangle 9">
+            <a:extLst>
+              <a:ext uri="{FF2B5EF4-FFF2-40B4-BE49-F238E27FC236}">
+                <a16:creationId xmlns:a16="http://schemas.microsoft.com/office/drawing/2014/main" id="{1CF1AAE4-D0BC-430F-A613-7BBAAECA0C2D}"/>
+              </a:ext>
+              <a:ext uri="{C183D7F6-B498-43B3-948B-1728B52AA6E4}">
+                <adec:decorative xmlns:adec="http://schemas.microsoft.com/office/drawing/2017/decorative" val="1"/>
+              </a:ext>
+            </a:extLst>
+          </p:cNvPr>
+          <p:cNvSpPr>
+            <a:spLocks noGrp="1" noRot="1" noChangeAspect="1" noMove="1" noResize="1" noEditPoints="1" noAdjustHandles="1" noChangeArrowheads="1" noChangeShapeType="1" noTextEdit="1"/>
+          </p:cNvSpPr>
+          <p:nvPr>
+            <p:extLst>
+              <p:ext uri="{386F3935-93C4-4BCD-93E2-E3B085C9AB24}">
+                <p16:designElem xmlns:p16="http://schemas.microsoft.com/office/powerpoint/2015/main" val="1"/>
+              </p:ext>
+            </p:extLst>
+          </p:nvPr>
+        </p:nvSpPr>
+        <p:spPr>
+          <a:xfrm>
+            <a:off x="0" y="0"/>
+            <a:ext cx="12191999" cy="2285999"/>
+          </a:xfrm>
+          <a:prstGeom prst="rect">
+            <a:avLst/>
+          </a:prstGeom>
+          <a:solidFill>
+            <a:schemeClr val="tx1">
+              <a:lumMod val="85000"/>
+              <a:lumOff val="15000"/>
+            </a:schemeClr>
+          </a:solidFill>
+          <a:ln>
+            <a:noFill/>
+          </a:ln>
+        </p:spPr>
+        <p:style>
+          <a:lnRef idx="2">
+            <a:schemeClr val="accent1">
+              <a:shade val="50000"/>
+            </a:schemeClr>
+          </a:lnRef>
+          <a:fillRef idx="1">
+            <a:schemeClr val="accent1"/>
+          </a:fillRef>
+          <a:effectRef idx="0">
+            <a:schemeClr val="accent1"/>
+          </a:effectRef>
+          <a:fontRef idx="minor">
+            <a:schemeClr val="lt1"/>
+          </a:fontRef>
+        </p:style>
+        <p:txBody>
+          <a:bodyPr rtlCol="0" anchor="ctr"/>
+          <a:lstStyle/>
+          <a:p>
+            <a:pPr algn="ctr"/>
+            <a:endParaRPr lang="en-US"/>
+          </a:p>
+        </p:txBody>
+      </p:sp>
+      <p:sp>
+        <p:nvSpPr>
+          <p:cNvPr id="2" name="Title 1">
+            <a:extLst>
+              <a:ext uri="{FF2B5EF4-FFF2-40B4-BE49-F238E27FC236}">
+                <a16:creationId xmlns:a16="http://schemas.microsoft.com/office/drawing/2014/main" id="{C9AA62CE-7C70-5184-EAB7-0BD784F2E62B}"/>
+              </a:ext>
+            </a:extLst>
+          </p:cNvPr>
+          <p:cNvSpPr>
+            <a:spLocks noGrp="1"/>
+          </p:cNvSpPr>
+          <p:nvPr>
+            <p:ph type="title"/>
+          </p:nvPr>
+        </p:nvSpPr>
+        <p:spPr>
+          <a:xfrm>
+            <a:off x="758952" y="379475"/>
+            <a:ext cx="10671048" cy="1554480"/>
+          </a:xfrm>
+        </p:spPr>
+        <p:txBody>
+          <a:bodyPr anchor="ctr">
+            <a:normAutofit/>
+          </a:bodyPr>
+          <a:lstStyle/>
+          <a:p>
+            <a:r>
+              <a:rPr lang="en-US">
+                <a:solidFill>
+                  <a:schemeClr val="bg1"/>
+                </a:solidFill>
+              </a:rPr>
+              <a:t>Challenges and Resolutoins</a:t>
+            </a:r>
+          </a:p>
+        </p:txBody>
+      </p:sp>
+      <p:sp>
+        <p:nvSpPr>
+          <p:cNvPr id="3" name="Content Placeholder 2">
+            <a:extLst>
+              <a:ext uri="{FF2B5EF4-FFF2-40B4-BE49-F238E27FC236}">
+                <a16:creationId xmlns:a16="http://schemas.microsoft.com/office/drawing/2014/main" id="{DF0E4B31-DEAD-22EB-A51B-F1119227BAC1}"/>
+              </a:ext>
+            </a:extLst>
+          </p:cNvPr>
+          <p:cNvSpPr>
+            <a:spLocks noGrp="1"/>
+          </p:cNvSpPr>
+          <p:nvPr>
+            <p:ph idx="1"/>
+          </p:nvPr>
+        </p:nvSpPr>
+        <p:spPr>
+          <a:xfrm>
+            <a:off x="758824" y="2607732"/>
+            <a:ext cx="8412480" cy="3174357"/>
+          </a:xfrm>
+        </p:spPr>
+        <p:txBody>
+          <a:bodyPr>
+            <a:normAutofit/>
+          </a:bodyPr>
+          <a:lstStyle/>
+          <a:p>
+            <a:r>
+              <a:rPr lang="en-US" dirty="0"/>
+              <a:t>List any hurdles during the ERD creation.</a:t>
+            </a:r>
+          </a:p>
+          <a:p>
+            <a:r>
+              <a:rPr lang="en-US" dirty="0"/>
+              <a:t>Any issues the team resolved?</a:t>
+            </a:r>
+          </a:p>
+          <a:p>
+            <a:r>
+              <a:rPr lang="en-US" dirty="0"/>
+              <a:t>Any lessons learned?</a:t>
+            </a:r>
+          </a:p>
+        </p:txBody>
+      </p:sp>
+      <p:sp>
+        <p:nvSpPr>
+          <p:cNvPr id="12" name="Freeform 6">
+            <a:extLst>
+              <a:ext uri="{FF2B5EF4-FFF2-40B4-BE49-F238E27FC236}">
+                <a16:creationId xmlns:a16="http://schemas.microsoft.com/office/drawing/2014/main" id="{A101E513-AF74-4E9D-A31F-99664250722D}"/>
+              </a:ext>
+              <a:ext uri="{C183D7F6-B498-43B3-948B-1728B52AA6E4}">
+                <adec:decorative xmlns:adec="http://schemas.microsoft.com/office/drawing/2017/decorative" val="1"/>
+              </a:ext>
+            </a:extLst>
+          </p:cNvPr>
+          <p:cNvSpPr>
+            <a:spLocks noGrp="1" noRot="1" noChangeAspect="1" noMove="1" noResize="1" noEditPoints="1" noAdjustHandles="1" noChangeArrowheads="1" noChangeShapeType="1" noTextEdit="1"/>
+          </p:cNvSpPr>
+          <p:nvPr>
+            <p:extLst>
+              <p:ext uri="{386F3935-93C4-4BCD-93E2-E3B085C9AB24}">
+                <p16:designElem xmlns:p16="http://schemas.microsoft.com/office/powerpoint/2015/main" val="1"/>
+              </p:ext>
+            </p:extLst>
+          </p:nvPr>
+        </p:nvSpPr>
+        <p:spPr bwMode="auto">
+          <a:xfrm>
+            <a:off x="11784011" y="5783564"/>
+            <a:ext cx="407988" cy="819150"/>
+          </a:xfrm>
+          <a:custGeom>
+            <a:avLst/>
+            <a:gdLst/>
+            <a:ahLst/>
+            <a:cxnLst/>
+            <a:rect l="0" t="0" r="r" b="b"/>
+            <a:pathLst>
+              <a:path w="1799" h="3612">
+                <a:moveTo>
+                  <a:pt x="1799" y="0"/>
+                </a:moveTo>
+                <a:lnTo>
+                  <a:pt x="1799" y="3612"/>
+                </a:lnTo>
+                <a:lnTo>
+                  <a:pt x="1686" y="3609"/>
+                </a:lnTo>
+                <a:lnTo>
+                  <a:pt x="1574" y="3598"/>
+                </a:lnTo>
+                <a:lnTo>
+                  <a:pt x="1464" y="3581"/>
+                </a:lnTo>
+                <a:lnTo>
+                  <a:pt x="1357" y="3557"/>
+                </a:lnTo>
+                <a:lnTo>
+                  <a:pt x="1251" y="3527"/>
+                </a:lnTo>
+                <a:lnTo>
+                  <a:pt x="1150" y="3490"/>
+                </a:lnTo>
+                <a:lnTo>
+                  <a:pt x="1050" y="3448"/>
+                </a:lnTo>
+                <a:lnTo>
+                  <a:pt x="953" y="3401"/>
+                </a:lnTo>
+                <a:lnTo>
+                  <a:pt x="860" y="3347"/>
+                </a:lnTo>
+                <a:lnTo>
+                  <a:pt x="771" y="3289"/>
+                </a:lnTo>
+                <a:lnTo>
+                  <a:pt x="686" y="3224"/>
+                </a:lnTo>
+                <a:lnTo>
+                  <a:pt x="604" y="3156"/>
+                </a:lnTo>
+                <a:lnTo>
+                  <a:pt x="527" y="3083"/>
+                </a:lnTo>
+                <a:lnTo>
+                  <a:pt x="454" y="3005"/>
+                </a:lnTo>
+                <a:lnTo>
+                  <a:pt x="386" y="2923"/>
+                </a:lnTo>
+                <a:lnTo>
+                  <a:pt x="323" y="2838"/>
+                </a:lnTo>
+                <a:lnTo>
+                  <a:pt x="265" y="2748"/>
+                </a:lnTo>
+                <a:lnTo>
+                  <a:pt x="211" y="2655"/>
+                </a:lnTo>
+                <a:lnTo>
+                  <a:pt x="163" y="2559"/>
+                </a:lnTo>
+                <a:lnTo>
+                  <a:pt x="121" y="2459"/>
+                </a:lnTo>
+                <a:lnTo>
+                  <a:pt x="85" y="2356"/>
+                </a:lnTo>
+                <a:lnTo>
+                  <a:pt x="55" y="2251"/>
+                </a:lnTo>
+                <a:lnTo>
+                  <a:pt x="32" y="2143"/>
+                </a:lnTo>
+                <a:lnTo>
+                  <a:pt x="14" y="2033"/>
+                </a:lnTo>
+                <a:lnTo>
+                  <a:pt x="4" y="1920"/>
+                </a:lnTo>
+                <a:lnTo>
+                  <a:pt x="0" y="1806"/>
+                </a:lnTo>
+                <a:lnTo>
+                  <a:pt x="4" y="1692"/>
+                </a:lnTo>
+                <a:lnTo>
+                  <a:pt x="14" y="1580"/>
+                </a:lnTo>
+                <a:lnTo>
+                  <a:pt x="32" y="1469"/>
+                </a:lnTo>
+                <a:lnTo>
+                  <a:pt x="55" y="1362"/>
+                </a:lnTo>
+                <a:lnTo>
+                  <a:pt x="85" y="1256"/>
+                </a:lnTo>
+                <a:lnTo>
+                  <a:pt x="121" y="1154"/>
+                </a:lnTo>
+                <a:lnTo>
+                  <a:pt x="163" y="1054"/>
+                </a:lnTo>
+                <a:lnTo>
+                  <a:pt x="211" y="958"/>
+                </a:lnTo>
+                <a:lnTo>
+                  <a:pt x="265" y="864"/>
+                </a:lnTo>
+                <a:lnTo>
+                  <a:pt x="323" y="774"/>
+                </a:lnTo>
+                <a:lnTo>
+                  <a:pt x="386" y="689"/>
+                </a:lnTo>
+                <a:lnTo>
+                  <a:pt x="454" y="607"/>
+                </a:lnTo>
+                <a:lnTo>
+                  <a:pt x="527" y="529"/>
+                </a:lnTo>
+                <a:lnTo>
+                  <a:pt x="604" y="456"/>
+                </a:lnTo>
+                <a:lnTo>
+                  <a:pt x="686" y="388"/>
+                </a:lnTo>
+                <a:lnTo>
+                  <a:pt x="771" y="325"/>
+                </a:lnTo>
+                <a:lnTo>
+                  <a:pt x="860" y="266"/>
+                </a:lnTo>
+                <a:lnTo>
+                  <a:pt x="953" y="212"/>
+                </a:lnTo>
+                <a:lnTo>
+                  <a:pt x="1050" y="164"/>
+                </a:lnTo>
+                <a:lnTo>
+                  <a:pt x="1150" y="122"/>
+                </a:lnTo>
+                <a:lnTo>
+                  <a:pt x="1251" y="85"/>
+                </a:lnTo>
+                <a:lnTo>
+                  <a:pt x="1357" y="55"/>
+                </a:lnTo>
+                <a:lnTo>
+                  <a:pt x="1464" y="32"/>
+                </a:lnTo>
+                <a:lnTo>
+                  <a:pt x="1574" y="14"/>
+                </a:lnTo>
+                <a:lnTo>
+                  <a:pt x="1686" y="5"/>
+                </a:lnTo>
+                <a:lnTo>
+                  <a:pt x="1799" y="0"/>
+                </a:lnTo>
+                <a:close/>
+              </a:path>
+            </a:pathLst>
+          </a:custGeom>
+          <a:solidFill>
+            <a:schemeClr val="tx1">
+              <a:lumMod val="85000"/>
+              <a:lumOff val="15000"/>
+            </a:schemeClr>
+          </a:solidFill>
+          <a:ln w="0">
+            <a:noFill/>
+            <a:prstDash val="solid"/>
+            <a:round/>
+            <a:headEnd/>
+            <a:tailEnd/>
+          </a:ln>
+        </p:spPr>
+        <p:txBody>
+          <a:bodyPr anchor="ctr"/>
+          <a:lstStyle/>
+          <a:p>
+            <a:endParaRPr lang="en-US"/>
+          </a:p>
+        </p:txBody>
+      </p:sp>
+    </p:spTree>
+    <p:extLst>
+      <p:ext uri="{BB962C8B-B14F-4D97-AF65-F5344CB8AC3E}">
         <p14:creationId xmlns:p14="http://schemas.microsoft.com/office/powerpoint/2010/main" val="609625766"/>
       </p:ext>
     </p:extLst>
@@ -8501,7 +8967,7 @@
 </p:sld>
 </file>
 
-<file path=ppt/slides/slide12.xml><?xml version="1.0" encoding="utf-8"?>
+<file path=ppt/slides/slide13.xml><?xml version="1.0" encoding="utf-8"?>
 <p:sld xmlns:a="http://schemas.openxmlformats.org/drawingml/2006/main" xmlns:r="http://schemas.openxmlformats.org/officeDocument/2006/relationships" xmlns:p="http://schemas.openxmlformats.org/presentationml/2006/main">
   <p:cSld>
     <p:bg>
@@ -10744,12 +11210,20 @@
           <a:lstStyle/>
           <a:p>
             <a:r>
-              <a:rPr lang="en-US">
+              <a:rPr lang="en-US" dirty="0">
                 <a:solidFill>
                   <a:schemeClr val="bg1"/>
                 </a:solidFill>
               </a:rPr>
-              <a:t>Finalized ERD</a:t>
+              <a:t>Finalized ERD </a:t>
+            </a:r>
+            <a:r>
+              <a:rPr lang="en-US" sz="2800" dirty="0">
+                <a:solidFill>
+                  <a:schemeClr val="bg1"/>
+                </a:solidFill>
+              </a:rPr>
+              <a:t>part1</a:t>
             </a:r>
           </a:p>
         </p:txBody>
@@ -10980,10 +11454,10 @@
       </p:sp>
       <p:pic>
         <p:nvPicPr>
-          <p:cNvPr id="4" name="Content Placeholder 3" descr="A diagram of a diagram&#10;&#10;AI-generated content may be incorrect.">
-            <a:extLst>
-              <a:ext uri="{FF2B5EF4-FFF2-40B4-BE49-F238E27FC236}">
-                <a16:creationId xmlns:a16="http://schemas.microsoft.com/office/drawing/2014/main" id="{BDB7EDC1-F2A8-9222-EF5F-DCEB7313FBA6}"/>
+          <p:cNvPr id="7" name="Content Placeholder 6" descr="A diagram of a supply chain&#10;&#10;AI-generated content may be incorrect.">
+            <a:extLst>
+              <a:ext uri="{FF2B5EF4-FFF2-40B4-BE49-F238E27FC236}">
+                <a16:creationId xmlns:a16="http://schemas.microsoft.com/office/drawing/2014/main" id="{D50B087E-986A-CACE-09D1-F3F010BC9D25}"/>
               </a:ext>
             </a:extLst>
           </p:cNvPr>
@@ -10995,35 +11469,74 @@
           </p:nvPr>
         </p:nvPicPr>
         <p:blipFill>
-          <a:blip r:embed="rId2" cstate="print">
-            <a:extLst>
-              <a:ext uri="{28A0092B-C50C-407E-A947-70E740481C1C}">
-                <a14:useLocalDpi xmlns:a14="http://schemas.microsoft.com/office/drawing/2010/main" val="0"/>
-              </a:ext>
-            </a:extLst>
-          </a:blip>
-          <a:srcRect/>
+          <a:blip r:embed="rId2"/>
           <a:stretch>
             <a:fillRect/>
           </a:stretch>
         </p:blipFill>
-        <p:spPr bwMode="auto">
+        <p:spPr>
           <a:xfrm>
-            <a:off x="133043" y="1624405"/>
-            <a:ext cx="11813113" cy="4854119"/>
+            <a:off x="2882867" y="1657500"/>
+            <a:ext cx="4218940" cy="4754563"/>
           </a:xfrm>
-          <a:prstGeom prst="rect">
-            <a:avLst/>
+          <a:prstGeom prst="roundRect">
+            <a:avLst>
+              <a:gd name="adj" fmla="val 8594"/>
+            </a:avLst>
           </a:prstGeom>
+          <a:solidFill>
+            <a:srgbClr val="FFFFFF">
+              <a:shade val="85000"/>
+            </a:srgbClr>
+          </a:solidFill>
           <a:ln>
             <a:noFill/>
           </a:ln>
           <a:effectLst>
-            <a:outerShdw blurRad="292100" dist="139700" dir="2700000" algn="tl" rotWithShape="0">
-              <a:srgbClr val="333333">
-                <a:alpha val="65000"/>
-              </a:srgbClr>
-            </a:outerShdw>
+            <a:reflection blurRad="12700" stA="38000" endPos="28000" dist="5000" dir="5400000" sy="-100000" algn="bl" rotWithShape="0"/>
+          </a:effectLst>
+        </p:spPr>
+      </p:pic>
+      <p:pic>
+        <p:nvPicPr>
+          <p:cNvPr id="11" name="Picture 10" descr="A diagram of a workflow&#10;&#10;AI-generated content may be incorrect.">
+            <a:extLst>
+              <a:ext uri="{FF2B5EF4-FFF2-40B4-BE49-F238E27FC236}">
+                <a16:creationId xmlns:a16="http://schemas.microsoft.com/office/drawing/2014/main" id="{9292891A-F83D-473A-AEE6-70D895894A72}"/>
+              </a:ext>
+            </a:extLst>
+          </p:cNvPr>
+          <p:cNvPicPr>
+            <a:picLocks noChangeAspect="1"/>
+          </p:cNvPicPr>
+          <p:nvPr/>
+        </p:nvPicPr>
+        <p:blipFill>
+          <a:blip r:embed="rId3"/>
+          <a:stretch>
+            <a:fillRect/>
+          </a:stretch>
+        </p:blipFill>
+        <p:spPr>
+          <a:xfrm>
+            <a:off x="7481283" y="100751"/>
+            <a:ext cx="2886478" cy="6230219"/>
+          </a:xfrm>
+          <a:prstGeom prst="roundRect">
+            <a:avLst>
+              <a:gd name="adj" fmla="val 8594"/>
+            </a:avLst>
+          </a:prstGeom>
+          <a:solidFill>
+            <a:srgbClr val="FFFFFF">
+              <a:shade val="85000"/>
+            </a:srgbClr>
+          </a:solidFill>
+          <a:ln>
+            <a:noFill/>
+          </a:ln>
+          <a:effectLst>
+            <a:reflection blurRad="12700" stA="38000" endPos="28000" dist="5000" dir="5400000" sy="-100000" algn="bl" rotWithShape="0"/>
           </a:effectLst>
         </p:spPr>
       </p:pic>
@@ -11041,6 +11554,814 @@
 </file>
 
 <file path=ppt/slides/slide6.xml><?xml version="1.0" encoding="utf-8"?>
+<p:sld xmlns:a="http://schemas.openxmlformats.org/drawingml/2006/main" xmlns:r="http://schemas.openxmlformats.org/officeDocument/2006/relationships" xmlns:p="http://schemas.openxmlformats.org/presentationml/2006/main">
+  <p:cSld>
+    <p:bg>
+      <p:bgPr>
+        <a:solidFill>
+          <a:schemeClr val="bg1">
+            <a:tint val="98000"/>
+            <a:satMod val="170000"/>
+          </a:schemeClr>
+        </a:solidFill>
+        <a:effectLst/>
+      </p:bgPr>
+    </p:bg>
+    <p:spTree>
+      <p:nvGrpSpPr>
+        <p:cNvPr id="1" name=""/>
+        <p:cNvGrpSpPr/>
+        <p:nvPr/>
+      </p:nvGrpSpPr>
+      <p:grpSpPr>
+        <a:xfrm>
+          <a:off x="0" y="0"/>
+          <a:ext cx="0" cy="0"/>
+          <a:chOff x="0" y="0"/>
+          <a:chExt cx="0" cy="0"/>
+        </a:xfrm>
+      </p:grpSpPr>
+      <p:sp>
+        <p:nvSpPr>
+          <p:cNvPr id="21" name="Freeform 6">
+            <a:extLst>
+              <a:ext uri="{FF2B5EF4-FFF2-40B4-BE49-F238E27FC236}">
+                <a16:creationId xmlns:a16="http://schemas.microsoft.com/office/drawing/2014/main" id="{DD4C4B28-6B4B-4445-8535-F516D74E4AA9}"/>
+              </a:ext>
+              <a:ext uri="{C183D7F6-B498-43B3-948B-1728B52AA6E4}">
+                <adec:decorative xmlns:adec="http://schemas.microsoft.com/office/drawing/2017/decorative" val="1"/>
+              </a:ext>
+            </a:extLst>
+          </p:cNvPr>
+          <p:cNvSpPr>
+            <a:spLocks noGrp="1" noRot="1" noChangeAspect="1" noMove="1" noResize="1" noEditPoints="1" noAdjustHandles="1" noChangeArrowheads="1" noChangeShapeType="1" noTextEdit="1"/>
+          </p:cNvSpPr>
+          <p:nvPr>
+            <p:extLst>
+              <p:ext uri="{386F3935-93C4-4BCD-93E2-E3B085C9AB24}">
+                <p16:designElem xmlns:p16="http://schemas.microsoft.com/office/powerpoint/2015/main" val="1"/>
+              </p:ext>
+            </p:extLst>
+          </p:nvPr>
+        </p:nvSpPr>
+        <p:spPr bwMode="auto">
+          <a:xfrm>
+            <a:off x="11784011" y="5783564"/>
+            <a:ext cx="407988" cy="819150"/>
+          </a:xfrm>
+          <a:custGeom>
+            <a:avLst/>
+            <a:gdLst/>
+            <a:ahLst/>
+            <a:cxnLst/>
+            <a:rect l="0" t="0" r="r" b="b"/>
+            <a:pathLst>
+              <a:path w="1799" h="3612">
+                <a:moveTo>
+                  <a:pt x="1799" y="0"/>
+                </a:moveTo>
+                <a:lnTo>
+                  <a:pt x="1799" y="3612"/>
+                </a:lnTo>
+                <a:lnTo>
+                  <a:pt x="1686" y="3609"/>
+                </a:lnTo>
+                <a:lnTo>
+                  <a:pt x="1574" y="3598"/>
+                </a:lnTo>
+                <a:lnTo>
+                  <a:pt x="1464" y="3581"/>
+                </a:lnTo>
+                <a:lnTo>
+                  <a:pt x="1357" y="3557"/>
+                </a:lnTo>
+                <a:lnTo>
+                  <a:pt x="1251" y="3527"/>
+                </a:lnTo>
+                <a:lnTo>
+                  <a:pt x="1150" y="3490"/>
+                </a:lnTo>
+                <a:lnTo>
+                  <a:pt x="1050" y="3448"/>
+                </a:lnTo>
+                <a:lnTo>
+                  <a:pt x="953" y="3401"/>
+                </a:lnTo>
+                <a:lnTo>
+                  <a:pt x="860" y="3347"/>
+                </a:lnTo>
+                <a:lnTo>
+                  <a:pt x="771" y="3289"/>
+                </a:lnTo>
+                <a:lnTo>
+                  <a:pt x="686" y="3224"/>
+                </a:lnTo>
+                <a:lnTo>
+                  <a:pt x="604" y="3156"/>
+                </a:lnTo>
+                <a:lnTo>
+                  <a:pt x="527" y="3083"/>
+                </a:lnTo>
+                <a:lnTo>
+                  <a:pt x="454" y="3005"/>
+                </a:lnTo>
+                <a:lnTo>
+                  <a:pt x="386" y="2923"/>
+                </a:lnTo>
+                <a:lnTo>
+                  <a:pt x="323" y="2838"/>
+                </a:lnTo>
+                <a:lnTo>
+                  <a:pt x="265" y="2748"/>
+                </a:lnTo>
+                <a:lnTo>
+                  <a:pt x="211" y="2655"/>
+                </a:lnTo>
+                <a:lnTo>
+                  <a:pt x="163" y="2559"/>
+                </a:lnTo>
+                <a:lnTo>
+                  <a:pt x="121" y="2459"/>
+                </a:lnTo>
+                <a:lnTo>
+                  <a:pt x="85" y="2356"/>
+                </a:lnTo>
+                <a:lnTo>
+                  <a:pt x="55" y="2251"/>
+                </a:lnTo>
+                <a:lnTo>
+                  <a:pt x="32" y="2143"/>
+                </a:lnTo>
+                <a:lnTo>
+                  <a:pt x="14" y="2033"/>
+                </a:lnTo>
+                <a:lnTo>
+                  <a:pt x="4" y="1920"/>
+                </a:lnTo>
+                <a:lnTo>
+                  <a:pt x="0" y="1806"/>
+                </a:lnTo>
+                <a:lnTo>
+                  <a:pt x="4" y="1692"/>
+                </a:lnTo>
+                <a:lnTo>
+                  <a:pt x="14" y="1580"/>
+                </a:lnTo>
+                <a:lnTo>
+                  <a:pt x="32" y="1469"/>
+                </a:lnTo>
+                <a:lnTo>
+                  <a:pt x="55" y="1362"/>
+                </a:lnTo>
+                <a:lnTo>
+                  <a:pt x="85" y="1256"/>
+                </a:lnTo>
+                <a:lnTo>
+                  <a:pt x="121" y="1154"/>
+                </a:lnTo>
+                <a:lnTo>
+                  <a:pt x="163" y="1054"/>
+                </a:lnTo>
+                <a:lnTo>
+                  <a:pt x="211" y="958"/>
+                </a:lnTo>
+                <a:lnTo>
+                  <a:pt x="265" y="864"/>
+                </a:lnTo>
+                <a:lnTo>
+                  <a:pt x="323" y="774"/>
+                </a:lnTo>
+                <a:lnTo>
+                  <a:pt x="386" y="689"/>
+                </a:lnTo>
+                <a:lnTo>
+                  <a:pt x="454" y="607"/>
+                </a:lnTo>
+                <a:lnTo>
+                  <a:pt x="527" y="529"/>
+                </a:lnTo>
+                <a:lnTo>
+                  <a:pt x="604" y="456"/>
+                </a:lnTo>
+                <a:lnTo>
+                  <a:pt x="686" y="388"/>
+                </a:lnTo>
+                <a:lnTo>
+                  <a:pt x="771" y="325"/>
+                </a:lnTo>
+                <a:lnTo>
+                  <a:pt x="860" y="266"/>
+                </a:lnTo>
+                <a:lnTo>
+                  <a:pt x="953" y="212"/>
+                </a:lnTo>
+                <a:lnTo>
+                  <a:pt x="1050" y="164"/>
+                </a:lnTo>
+                <a:lnTo>
+                  <a:pt x="1150" y="122"/>
+                </a:lnTo>
+                <a:lnTo>
+                  <a:pt x="1251" y="85"/>
+                </a:lnTo>
+                <a:lnTo>
+                  <a:pt x="1357" y="55"/>
+                </a:lnTo>
+                <a:lnTo>
+                  <a:pt x="1464" y="32"/>
+                </a:lnTo>
+                <a:lnTo>
+                  <a:pt x="1574" y="14"/>
+                </a:lnTo>
+                <a:lnTo>
+                  <a:pt x="1686" y="5"/>
+                </a:lnTo>
+                <a:lnTo>
+                  <a:pt x="1799" y="0"/>
+                </a:lnTo>
+                <a:close/>
+              </a:path>
+            </a:pathLst>
+          </a:custGeom>
+          <a:solidFill>
+            <a:schemeClr val="tx1">
+              <a:lumMod val="85000"/>
+              <a:lumOff val="15000"/>
+            </a:schemeClr>
+          </a:solidFill>
+          <a:ln w="0">
+            <a:noFill/>
+            <a:prstDash val="solid"/>
+            <a:round/>
+            <a:headEnd/>
+            <a:tailEnd/>
+          </a:ln>
+        </p:spPr>
+        <p:txBody>
+          <a:bodyPr anchor="ctr"/>
+          <a:lstStyle/>
+          <a:p>
+            <a:endParaRPr lang="en-US"/>
+          </a:p>
+        </p:txBody>
+      </p:sp>
+      <p:cxnSp>
+        <p:nvCxnSpPr>
+          <p:cNvPr id="23" name="Straight Connector 22">
+            <a:extLst>
+              <a:ext uri="{FF2B5EF4-FFF2-40B4-BE49-F238E27FC236}">
+                <a16:creationId xmlns:a16="http://schemas.microsoft.com/office/drawing/2014/main" id="{0CB1C732-7193-4253-8746-850D090A6B4E}"/>
+              </a:ext>
+              <a:ext uri="{C183D7F6-B498-43B3-948B-1728B52AA6E4}">
+                <adec:decorative xmlns:adec="http://schemas.microsoft.com/office/drawing/2017/decorative" val="1"/>
+              </a:ext>
+            </a:extLst>
+          </p:cNvPr>
+          <p:cNvCxnSpPr>
+            <a:cxnSpLocks noGrp="1" noRot="1" noChangeAspect="1" noMove="1" noResize="1" noEditPoints="1" noAdjustHandles="1" noChangeArrowheads="1" noChangeShapeType="1"/>
+          </p:cNvCxnSpPr>
+          <p:nvPr>
+            <p:extLst>
+              <p:ext uri="{386F3935-93C4-4BCD-93E2-E3B085C9AB24}">
+                <p16:designElem xmlns:p16="http://schemas.microsoft.com/office/powerpoint/2015/main" val="1"/>
+              </p:ext>
+            </p:extLst>
+          </p:nvPr>
+        </p:nvCxnSpPr>
+        <p:spPr>
+          <a:xfrm>
+            <a:off x="758952" y="1280160"/>
+            <a:ext cx="0" cy="5577840"/>
+          </a:xfrm>
+          <a:prstGeom prst="line">
+            <a:avLst/>
+          </a:prstGeom>
+          <a:ln w="19050">
+            <a:solidFill>
+              <a:schemeClr val="tx2"/>
+            </a:solidFill>
+          </a:ln>
+        </p:spPr>
+        <p:style>
+          <a:lnRef idx="1">
+            <a:schemeClr val="accent1"/>
+          </a:lnRef>
+          <a:fillRef idx="0">
+            <a:schemeClr val="accent1"/>
+          </a:fillRef>
+          <a:effectRef idx="0">
+            <a:schemeClr val="accent1"/>
+          </a:effectRef>
+          <a:fontRef idx="minor">
+            <a:schemeClr val="tx1"/>
+          </a:fontRef>
+        </p:style>
+      </p:cxnSp>
+      <p:sp useBgFill="1">
+        <p:nvSpPr>
+          <p:cNvPr id="25" name="Rectangle 24">
+            <a:extLst>
+              <a:ext uri="{FF2B5EF4-FFF2-40B4-BE49-F238E27FC236}">
+                <a16:creationId xmlns:a16="http://schemas.microsoft.com/office/drawing/2014/main" id="{55B419A7-F817-4767-8CCB-FB0E189C4ACD}"/>
+              </a:ext>
+              <a:ext uri="{C183D7F6-B498-43B3-948B-1728B52AA6E4}">
+                <adec:decorative xmlns:adec="http://schemas.microsoft.com/office/drawing/2017/decorative" val="1"/>
+              </a:ext>
+            </a:extLst>
+          </p:cNvPr>
+          <p:cNvSpPr>
+            <a:spLocks noGrp="1" noRot="1" noChangeAspect="1" noMove="1" noResize="1" noEditPoints="1" noAdjustHandles="1" noChangeArrowheads="1" noChangeShapeType="1" noTextEdit="1"/>
+          </p:cNvSpPr>
+          <p:nvPr>
+            <p:extLst>
+              <p:ext uri="{386F3935-93C4-4BCD-93E2-E3B085C9AB24}">
+                <p16:designElem xmlns:p16="http://schemas.microsoft.com/office/powerpoint/2015/main" val="1"/>
+              </p:ext>
+            </p:extLst>
+          </p:nvPr>
+        </p:nvSpPr>
+        <p:spPr>
+          <a:xfrm>
+            <a:off x="0" y="0"/>
+            <a:ext cx="12192000" cy="6858000"/>
+          </a:xfrm>
+          <a:prstGeom prst="rect">
+            <a:avLst/>
+          </a:prstGeom>
+          <a:ln>
+            <a:noFill/>
+          </a:ln>
+        </p:spPr>
+        <p:style>
+          <a:lnRef idx="2">
+            <a:schemeClr val="accent1">
+              <a:shade val="50000"/>
+            </a:schemeClr>
+          </a:lnRef>
+          <a:fillRef idx="1">
+            <a:schemeClr val="accent1"/>
+          </a:fillRef>
+          <a:effectRef idx="0">
+            <a:schemeClr val="accent1"/>
+          </a:effectRef>
+          <a:fontRef idx="minor">
+            <a:schemeClr val="lt1"/>
+          </a:fontRef>
+        </p:style>
+        <p:txBody>
+          <a:bodyPr rtlCol="0" anchor="ctr"/>
+          <a:lstStyle/>
+          <a:p>
+            <a:pPr algn="ctr"/>
+            <a:endParaRPr lang="en-US"/>
+          </a:p>
+        </p:txBody>
+      </p:sp>
+      <p:sp>
+        <p:nvSpPr>
+          <p:cNvPr id="2" name="Title 1">
+            <a:extLst>
+              <a:ext uri="{FF2B5EF4-FFF2-40B4-BE49-F238E27FC236}">
+                <a16:creationId xmlns:a16="http://schemas.microsoft.com/office/drawing/2014/main" id="{94C32BD7-7739-3534-999B-853BE79E1ABB}"/>
+              </a:ext>
+            </a:extLst>
+          </p:cNvPr>
+          <p:cNvSpPr>
+            <a:spLocks noGrp="1"/>
+          </p:cNvSpPr>
+          <p:nvPr>
+            <p:ph type="title"/>
+          </p:nvPr>
+        </p:nvSpPr>
+        <p:spPr>
+          <a:xfrm>
+            <a:off x="401260" y="253382"/>
+            <a:ext cx="7344246" cy="1177386"/>
+          </a:xfrm>
+        </p:spPr>
+        <p:txBody>
+          <a:bodyPr vert="horz" lIns="91440" tIns="45720" rIns="91440" bIns="45720" rtlCol="0" anchor="t">
+            <a:normAutofit/>
+          </a:bodyPr>
+          <a:lstStyle/>
+          <a:p>
+            <a:r>
+              <a:rPr lang="en-US" sz="6600" dirty="0"/>
+              <a:t>Finalized ERD  </a:t>
+            </a:r>
+            <a:r>
+              <a:rPr lang="en-US" sz="2800" dirty="0"/>
+              <a:t>part2</a:t>
+            </a:r>
+          </a:p>
+        </p:txBody>
+      </p:sp>
+      <p:sp>
+        <p:nvSpPr>
+          <p:cNvPr id="3" name="Text Placeholder 2">
+            <a:extLst>
+              <a:ext uri="{FF2B5EF4-FFF2-40B4-BE49-F238E27FC236}">
+                <a16:creationId xmlns:a16="http://schemas.microsoft.com/office/drawing/2014/main" id="{07473D67-04ED-BDA4-70C7-54A19633C49D}"/>
+              </a:ext>
+            </a:extLst>
+          </p:cNvPr>
+          <p:cNvSpPr>
+            <a:spLocks noGrp="1"/>
+          </p:cNvSpPr>
+          <p:nvPr>
+            <p:ph type="body" idx="1"/>
+          </p:nvPr>
+        </p:nvSpPr>
+        <p:spPr>
+          <a:xfrm>
+            <a:off x="9488244" y="1143000"/>
+            <a:ext cx="2302495" cy="4375326"/>
+          </a:xfrm>
+        </p:spPr>
+        <p:txBody>
+          <a:bodyPr vert="horz" lIns="91440" tIns="45720" rIns="91440" bIns="45720" rtlCol="0" anchor="b">
+            <a:normAutofit/>
+          </a:bodyPr>
+          <a:lstStyle/>
+          <a:p>
+            <a:pPr>
+              <a:lnSpc>
+                <a:spcPct val="100000"/>
+              </a:lnSpc>
+            </a:pPr>
+            <a:endParaRPr lang="en-US" sz="2200" dirty="0"/>
+          </a:p>
+        </p:txBody>
+      </p:sp>
+      <p:cxnSp>
+        <p:nvCxnSpPr>
+          <p:cNvPr id="27" name="Straight Connector 26">
+            <a:extLst>
+              <a:ext uri="{FF2B5EF4-FFF2-40B4-BE49-F238E27FC236}">
+                <a16:creationId xmlns:a16="http://schemas.microsoft.com/office/drawing/2014/main" id="{5FD019AA-952B-4B1F-936C-2012210EB074}"/>
+              </a:ext>
+              <a:ext uri="{C183D7F6-B498-43B3-948B-1728B52AA6E4}">
+                <adec:decorative xmlns:adec="http://schemas.microsoft.com/office/drawing/2017/decorative" val="1"/>
+              </a:ext>
+            </a:extLst>
+          </p:cNvPr>
+          <p:cNvCxnSpPr>
+            <a:cxnSpLocks noGrp="1" noRot="1" noChangeAspect="1" noMove="1" noResize="1" noEditPoints="1" noAdjustHandles="1" noChangeArrowheads="1" noChangeShapeType="1"/>
+          </p:cNvCxnSpPr>
+          <p:nvPr>
+            <p:extLst>
+              <p:ext uri="{386F3935-93C4-4BCD-93E2-E3B085C9AB24}">
+                <p16:designElem xmlns:p16="http://schemas.microsoft.com/office/powerpoint/2015/main" val="1"/>
+              </p:ext>
+            </p:extLst>
+          </p:nvPr>
+        </p:nvCxnSpPr>
+        <p:spPr>
+          <a:xfrm flipV="1">
+            <a:off x="1591" y="1028928"/>
+            <a:ext cx="6094409" cy="1"/>
+          </a:xfrm>
+          <a:prstGeom prst="line">
+            <a:avLst/>
+          </a:prstGeom>
+          <a:ln w="19050">
+            <a:solidFill>
+              <a:schemeClr val="tx1"/>
+            </a:solidFill>
+          </a:ln>
+        </p:spPr>
+        <p:style>
+          <a:lnRef idx="1">
+            <a:schemeClr val="accent1"/>
+          </a:lnRef>
+          <a:fillRef idx="0">
+            <a:schemeClr val="accent1"/>
+          </a:fillRef>
+          <a:effectRef idx="0">
+            <a:schemeClr val="accent1"/>
+          </a:effectRef>
+          <a:fontRef idx="minor">
+            <a:schemeClr val="tx1"/>
+          </a:fontRef>
+        </p:style>
+      </p:cxnSp>
+      <p:sp>
+        <p:nvSpPr>
+          <p:cNvPr id="29" name="Freeform 6">
+            <a:extLst>
+              <a:ext uri="{FF2B5EF4-FFF2-40B4-BE49-F238E27FC236}">
+                <a16:creationId xmlns:a16="http://schemas.microsoft.com/office/drawing/2014/main" id="{F8B3EA0B-3940-4613-830F-9A701BADF728}"/>
+              </a:ext>
+              <a:ext uri="{C183D7F6-B498-43B3-948B-1728B52AA6E4}">
+                <adec:decorative xmlns:adec="http://schemas.microsoft.com/office/drawing/2017/decorative" val="1"/>
+              </a:ext>
+            </a:extLst>
+          </p:cNvPr>
+          <p:cNvSpPr>
+            <a:spLocks noGrp="1" noRot="1" noChangeAspect="1" noMove="1" noResize="1" noEditPoints="1" noAdjustHandles="1" noChangeArrowheads="1" noChangeShapeType="1" noTextEdit="1"/>
+          </p:cNvSpPr>
+          <p:nvPr>
+            <p:extLst>
+              <p:ext uri="{386F3935-93C4-4BCD-93E2-E3B085C9AB24}">
+                <p16:designElem xmlns:p16="http://schemas.microsoft.com/office/powerpoint/2015/main" val="1"/>
+              </p:ext>
+            </p:extLst>
+          </p:nvPr>
+        </p:nvSpPr>
+        <p:spPr bwMode="auto">
+          <a:xfrm>
+            <a:off x="11784011" y="3019425"/>
+            <a:ext cx="407988" cy="819150"/>
+          </a:xfrm>
+          <a:custGeom>
+            <a:avLst/>
+            <a:gdLst/>
+            <a:ahLst/>
+            <a:cxnLst/>
+            <a:rect l="0" t="0" r="r" b="b"/>
+            <a:pathLst>
+              <a:path w="1799" h="3612">
+                <a:moveTo>
+                  <a:pt x="1799" y="0"/>
+                </a:moveTo>
+                <a:lnTo>
+                  <a:pt x="1799" y="3612"/>
+                </a:lnTo>
+                <a:lnTo>
+                  <a:pt x="1686" y="3609"/>
+                </a:lnTo>
+                <a:lnTo>
+                  <a:pt x="1574" y="3598"/>
+                </a:lnTo>
+                <a:lnTo>
+                  <a:pt x="1464" y="3581"/>
+                </a:lnTo>
+                <a:lnTo>
+                  <a:pt x="1357" y="3557"/>
+                </a:lnTo>
+                <a:lnTo>
+                  <a:pt x="1251" y="3527"/>
+                </a:lnTo>
+                <a:lnTo>
+                  <a:pt x="1150" y="3490"/>
+                </a:lnTo>
+                <a:lnTo>
+                  <a:pt x="1050" y="3448"/>
+                </a:lnTo>
+                <a:lnTo>
+                  <a:pt x="953" y="3401"/>
+                </a:lnTo>
+                <a:lnTo>
+                  <a:pt x="860" y="3347"/>
+                </a:lnTo>
+                <a:lnTo>
+                  <a:pt x="771" y="3289"/>
+                </a:lnTo>
+                <a:lnTo>
+                  <a:pt x="686" y="3224"/>
+                </a:lnTo>
+                <a:lnTo>
+                  <a:pt x="604" y="3156"/>
+                </a:lnTo>
+                <a:lnTo>
+                  <a:pt x="527" y="3083"/>
+                </a:lnTo>
+                <a:lnTo>
+                  <a:pt x="454" y="3005"/>
+                </a:lnTo>
+                <a:lnTo>
+                  <a:pt x="386" y="2923"/>
+                </a:lnTo>
+                <a:lnTo>
+                  <a:pt x="323" y="2838"/>
+                </a:lnTo>
+                <a:lnTo>
+                  <a:pt x="265" y="2748"/>
+                </a:lnTo>
+                <a:lnTo>
+                  <a:pt x="211" y="2655"/>
+                </a:lnTo>
+                <a:lnTo>
+                  <a:pt x="163" y="2559"/>
+                </a:lnTo>
+                <a:lnTo>
+                  <a:pt x="121" y="2459"/>
+                </a:lnTo>
+                <a:lnTo>
+                  <a:pt x="85" y="2356"/>
+                </a:lnTo>
+                <a:lnTo>
+                  <a:pt x="55" y="2251"/>
+                </a:lnTo>
+                <a:lnTo>
+                  <a:pt x="32" y="2143"/>
+                </a:lnTo>
+                <a:lnTo>
+                  <a:pt x="14" y="2033"/>
+                </a:lnTo>
+                <a:lnTo>
+                  <a:pt x="4" y="1920"/>
+                </a:lnTo>
+                <a:lnTo>
+                  <a:pt x="0" y="1806"/>
+                </a:lnTo>
+                <a:lnTo>
+                  <a:pt x="4" y="1692"/>
+                </a:lnTo>
+                <a:lnTo>
+                  <a:pt x="14" y="1580"/>
+                </a:lnTo>
+                <a:lnTo>
+                  <a:pt x="32" y="1469"/>
+                </a:lnTo>
+                <a:lnTo>
+                  <a:pt x="55" y="1362"/>
+                </a:lnTo>
+                <a:lnTo>
+                  <a:pt x="85" y="1256"/>
+                </a:lnTo>
+                <a:lnTo>
+                  <a:pt x="121" y="1154"/>
+                </a:lnTo>
+                <a:lnTo>
+                  <a:pt x="163" y="1054"/>
+                </a:lnTo>
+                <a:lnTo>
+                  <a:pt x="211" y="958"/>
+                </a:lnTo>
+                <a:lnTo>
+                  <a:pt x="265" y="864"/>
+                </a:lnTo>
+                <a:lnTo>
+                  <a:pt x="323" y="774"/>
+                </a:lnTo>
+                <a:lnTo>
+                  <a:pt x="386" y="689"/>
+                </a:lnTo>
+                <a:lnTo>
+                  <a:pt x="454" y="607"/>
+                </a:lnTo>
+                <a:lnTo>
+                  <a:pt x="527" y="529"/>
+                </a:lnTo>
+                <a:lnTo>
+                  <a:pt x="604" y="456"/>
+                </a:lnTo>
+                <a:lnTo>
+                  <a:pt x="686" y="388"/>
+                </a:lnTo>
+                <a:lnTo>
+                  <a:pt x="771" y="325"/>
+                </a:lnTo>
+                <a:lnTo>
+                  <a:pt x="860" y="266"/>
+                </a:lnTo>
+                <a:lnTo>
+                  <a:pt x="953" y="212"/>
+                </a:lnTo>
+                <a:lnTo>
+                  <a:pt x="1050" y="164"/>
+                </a:lnTo>
+                <a:lnTo>
+                  <a:pt x="1150" y="122"/>
+                </a:lnTo>
+                <a:lnTo>
+                  <a:pt x="1251" y="85"/>
+                </a:lnTo>
+                <a:lnTo>
+                  <a:pt x="1357" y="55"/>
+                </a:lnTo>
+                <a:lnTo>
+                  <a:pt x="1464" y="32"/>
+                </a:lnTo>
+                <a:lnTo>
+                  <a:pt x="1574" y="14"/>
+                </a:lnTo>
+                <a:lnTo>
+                  <a:pt x="1686" y="5"/>
+                </a:lnTo>
+                <a:lnTo>
+                  <a:pt x="1799" y="0"/>
+                </a:lnTo>
+                <a:close/>
+              </a:path>
+            </a:pathLst>
+          </a:custGeom>
+          <a:solidFill>
+            <a:schemeClr val="tx2"/>
+          </a:solidFill>
+          <a:ln w="0">
+            <a:noFill/>
+            <a:prstDash val="solid"/>
+            <a:round/>
+            <a:headEnd/>
+            <a:tailEnd/>
+          </a:ln>
+        </p:spPr>
+        <p:txBody>
+          <a:bodyPr/>
+          <a:lstStyle/>
+          <a:p>
+            <a:endParaRPr lang="en-US"/>
+          </a:p>
+        </p:txBody>
+      </p:sp>
+      <p:cxnSp>
+        <p:nvCxnSpPr>
+          <p:cNvPr id="31" name="Straight Connector 30">
+            <a:extLst>
+              <a:ext uri="{FF2B5EF4-FFF2-40B4-BE49-F238E27FC236}">
+                <a16:creationId xmlns:a16="http://schemas.microsoft.com/office/drawing/2014/main" id="{ADEF486B-08F9-49C8-BDCF-55EC6CC45576}"/>
+              </a:ext>
+              <a:ext uri="{C183D7F6-B498-43B3-948B-1728B52AA6E4}">
+                <adec:decorative xmlns:adec="http://schemas.microsoft.com/office/drawing/2017/decorative" val="1"/>
+              </a:ext>
+            </a:extLst>
+          </p:cNvPr>
+          <p:cNvCxnSpPr>
+            <a:cxnSpLocks noGrp="1" noRot="1" noChangeAspect="1" noMove="1" noResize="1" noEditPoints="1" noAdjustHandles="1" noChangeArrowheads="1" noChangeShapeType="1"/>
+          </p:cNvCxnSpPr>
+          <p:nvPr>
+            <p:extLst>
+              <p:ext uri="{386F3935-93C4-4BCD-93E2-E3B085C9AB24}">
+                <p16:designElem xmlns:p16="http://schemas.microsoft.com/office/powerpoint/2015/main" val="1"/>
+              </p:ext>
+            </p:extLst>
+          </p:nvPr>
+        </p:nvCxnSpPr>
+        <p:spPr>
+          <a:xfrm>
+            <a:off x="7534656" y="5840060"/>
+            <a:ext cx="4657344" cy="0"/>
+          </a:xfrm>
+          <a:prstGeom prst="line">
+            <a:avLst/>
+          </a:prstGeom>
+          <a:ln w="19050">
+            <a:solidFill>
+              <a:schemeClr val="tx1"/>
+            </a:solidFill>
+          </a:ln>
+        </p:spPr>
+        <p:style>
+          <a:lnRef idx="1">
+            <a:schemeClr val="accent1"/>
+          </a:lnRef>
+          <a:fillRef idx="0">
+            <a:schemeClr val="accent1"/>
+          </a:fillRef>
+          <a:effectRef idx="0">
+            <a:schemeClr val="accent1"/>
+          </a:effectRef>
+          <a:fontRef idx="minor">
+            <a:schemeClr val="tx1"/>
+          </a:fontRef>
+        </p:style>
+      </p:cxnSp>
+      <p:pic>
+        <p:nvPicPr>
+          <p:cNvPr id="5" name="Picture 4" descr="A diagram of a computer&#10;&#10;AI-generated content may be incorrect.">
+            <a:extLst>
+              <a:ext uri="{FF2B5EF4-FFF2-40B4-BE49-F238E27FC236}">
+                <a16:creationId xmlns:a16="http://schemas.microsoft.com/office/drawing/2014/main" id="{FE965734-BA10-7AC8-73F6-BCDD7C2AA6EB}"/>
+              </a:ext>
+            </a:extLst>
+          </p:cNvPr>
+          <p:cNvPicPr>
+            <a:picLocks noChangeAspect="1"/>
+          </p:cNvPicPr>
+          <p:nvPr/>
+        </p:nvPicPr>
+        <p:blipFill>
+          <a:blip r:embed="rId2"/>
+          <a:stretch>
+            <a:fillRect/>
+          </a:stretch>
+        </p:blipFill>
+        <p:spPr>
+          <a:xfrm>
+            <a:off x="581000" y="1133073"/>
+            <a:ext cx="8810544" cy="5411004"/>
+          </a:xfrm>
+          <a:prstGeom prst="rect">
+            <a:avLst/>
+          </a:prstGeom>
+        </p:spPr>
+      </p:pic>
+    </p:spTree>
+    <p:extLst>
+      <p:ext uri="{BB962C8B-B14F-4D97-AF65-F5344CB8AC3E}">
+        <p14:creationId xmlns:p14="http://schemas.microsoft.com/office/powerpoint/2010/main" val="2357318590"/>
+      </p:ext>
+    </p:extLst>
+  </p:cSld>
+  <p:clrMapOvr>
+    <a:masterClrMapping/>
+  </p:clrMapOvr>
+</p:sld>
+</file>
+
+<file path=ppt/slides/slide7.xml><?xml version="1.0" encoding="utf-8"?>
 <p:sld xmlns:a="http://schemas.openxmlformats.org/drawingml/2006/main" xmlns:r="http://schemas.openxmlformats.org/officeDocument/2006/relationships" xmlns:p="http://schemas.openxmlformats.org/presentationml/2006/main">
   <p:cSld>
     <p:bg>
@@ -11209,8 +12530,8 @@
         </p:nvSpPr>
         <p:spPr>
           <a:xfrm>
-            <a:off x="758952" y="420625"/>
-            <a:ext cx="10667998" cy="1326814"/>
+            <a:off x="221070" y="83900"/>
+            <a:ext cx="9783542" cy="1179029"/>
           </a:xfrm>
         </p:spPr>
         <p:txBody>
@@ -11220,7 +12541,7 @@
           <a:lstStyle/>
           <a:p>
             <a:r>
-              <a:rPr lang="en-US">
+              <a:rPr lang="en-US" dirty="0">
                 <a:solidFill>
                   <a:schemeClr val="bg1"/>
                 </a:solidFill>
@@ -11467,14 +12788,14 @@
             <p:ph idx="1"/>
             <p:extLst>
               <p:ext uri="{D42A27DB-BD31-4B8C-83A1-F6EECF244321}">
-                <p14:modId xmlns:p14="http://schemas.microsoft.com/office/powerpoint/2010/main" val="3260488845"/>
+                <p14:modId xmlns:p14="http://schemas.microsoft.com/office/powerpoint/2010/main" val="584049140"/>
               </p:ext>
             </p:extLst>
           </p:nvPr>
         </p:nvGraphicFramePr>
         <p:xfrm>
-          <a:off x="758953" y="2606722"/>
-          <a:ext cx="10671048" cy="3176842"/>
+          <a:off x="758952" y="2606721"/>
+          <a:ext cx="10874247" cy="4412145"/>
         </p:xfrm>
         <a:graphic>
           <a:graphicData uri="http://schemas.openxmlformats.org/drawingml/2006/diagram">
@@ -11482,6 +12803,36 @@
           </a:graphicData>
         </a:graphic>
       </p:graphicFrame>
+      <p:pic>
+        <p:nvPicPr>
+          <p:cNvPr id="4" name="Picture 3" descr="A screenshot of a computer screen&#10;&#10;AI-generated content may be incorrect.">
+            <a:extLst>
+              <a:ext uri="{FF2B5EF4-FFF2-40B4-BE49-F238E27FC236}">
+                <a16:creationId xmlns:a16="http://schemas.microsoft.com/office/drawing/2014/main" id="{B55188E0-0015-5180-0868-E54C08B4E5E6}"/>
+              </a:ext>
+            </a:extLst>
+          </p:cNvPr>
+          <p:cNvPicPr>
+            <a:picLocks noChangeAspect="1"/>
+          </p:cNvPicPr>
+          <p:nvPr/>
+        </p:nvPicPr>
+        <p:blipFill>
+          <a:blip r:embed="rId7"/>
+          <a:stretch>
+            <a:fillRect/>
+          </a:stretch>
+        </p:blipFill>
+        <p:spPr>
+          <a:xfrm>
+            <a:off x="4505769" y="1628273"/>
+            <a:ext cx="3641951" cy="4497374"/>
+          </a:xfrm>
+          <a:prstGeom prst="rect">
+            <a:avLst/>
+          </a:prstGeom>
+        </p:spPr>
+      </p:pic>
     </p:spTree>
     <p:extLst>
       <p:ext uri="{BB962C8B-B14F-4D97-AF65-F5344CB8AC3E}">
@@ -11495,7 +12846,7 @@
 </p:sld>
 </file>
 
-<file path=ppt/slides/slide7.xml><?xml version="1.0" encoding="utf-8"?>
+<file path=ppt/slides/slide8.xml><?xml version="1.0" encoding="utf-8"?>
 <p:sld xmlns:a="http://schemas.openxmlformats.org/drawingml/2006/main" xmlns:r="http://schemas.openxmlformats.org/officeDocument/2006/relationships" xmlns:p="http://schemas.openxmlformats.org/presentationml/2006/main">
   <p:cSld>
     <p:bg>
@@ -11957,7 +13308,7 @@
 </p:sld>
 </file>
 
-<file path=ppt/slides/slide8.xml><?xml version="1.0" encoding="utf-8"?>
+<file path=ppt/slides/slide9.xml><?xml version="1.0" encoding="utf-8"?>
 <p:sld xmlns:a="http://schemas.openxmlformats.org/drawingml/2006/main" xmlns:r="http://schemas.openxmlformats.org/officeDocument/2006/relationships" xmlns:p="http://schemas.openxmlformats.org/presentationml/2006/main">
   <p:cSld>
     <p:bg>
@@ -12410,471 +13761,6 @@
     <p:extLst>
       <p:ext uri="{BB962C8B-B14F-4D97-AF65-F5344CB8AC3E}">
         <p14:creationId xmlns:p14="http://schemas.microsoft.com/office/powerpoint/2010/main" val="3596743540"/>
-      </p:ext>
-    </p:extLst>
-  </p:cSld>
-  <p:clrMapOvr>
-    <a:masterClrMapping/>
-  </p:clrMapOvr>
-</p:sld>
-</file>
-
-<file path=ppt/slides/slide9.xml><?xml version="1.0" encoding="utf-8"?>
-<p:sld xmlns:a="http://schemas.openxmlformats.org/drawingml/2006/main" xmlns:r="http://schemas.openxmlformats.org/officeDocument/2006/relationships" xmlns:p="http://schemas.openxmlformats.org/presentationml/2006/main">
-  <p:cSld>
-    <p:bg>
-      <p:bgPr>
-        <a:solidFill>
-          <a:schemeClr val="bg2"/>
-        </a:solidFill>
-        <a:effectLst/>
-      </p:bgPr>
-    </p:bg>
-    <p:spTree>
-      <p:nvGrpSpPr>
-        <p:cNvPr id="1" name=""/>
-        <p:cNvGrpSpPr/>
-        <p:nvPr/>
-      </p:nvGrpSpPr>
-      <p:grpSpPr>
-        <a:xfrm>
-          <a:off x="0" y="0"/>
-          <a:ext cx="0" cy="0"/>
-          <a:chOff x="0" y="0"/>
-          <a:chExt cx="0" cy="0"/>
-        </a:xfrm>
-      </p:grpSpPr>
-      <p:sp useBgFill="1">
-        <p:nvSpPr>
-          <p:cNvPr id="8" name="Rectangle 7">
-            <a:extLst>
-              <a:ext uri="{FF2B5EF4-FFF2-40B4-BE49-F238E27FC236}">
-                <a16:creationId xmlns:a16="http://schemas.microsoft.com/office/drawing/2014/main" id="{C5176844-69C3-4F79-BE38-EA5BDDF4FEA4}"/>
-              </a:ext>
-              <a:ext uri="{C183D7F6-B498-43B3-948B-1728B52AA6E4}">
-                <adec:decorative xmlns:adec="http://schemas.microsoft.com/office/drawing/2017/decorative" val="1"/>
-              </a:ext>
-            </a:extLst>
-          </p:cNvPr>
-          <p:cNvSpPr>
-            <a:spLocks noGrp="1" noRot="1" noChangeAspect="1" noMove="1" noResize="1" noEditPoints="1" noAdjustHandles="1" noChangeArrowheads="1" noChangeShapeType="1" noTextEdit="1"/>
-          </p:cNvSpPr>
-          <p:nvPr>
-            <p:extLst>
-              <p:ext uri="{386F3935-93C4-4BCD-93E2-E3B085C9AB24}">
-                <p16:designElem xmlns:p16="http://schemas.microsoft.com/office/powerpoint/2015/main" val="1"/>
-              </p:ext>
-            </p:extLst>
-          </p:nvPr>
-        </p:nvSpPr>
-        <p:spPr>
-          <a:xfrm>
-            <a:off x="0" y="0"/>
-            <a:ext cx="12192000" cy="6858000"/>
-          </a:xfrm>
-          <a:prstGeom prst="rect">
-            <a:avLst/>
-          </a:prstGeom>
-          <a:ln>
-            <a:noFill/>
-          </a:ln>
-        </p:spPr>
-        <p:style>
-          <a:lnRef idx="2">
-            <a:schemeClr val="accent1">
-              <a:shade val="50000"/>
-            </a:schemeClr>
-          </a:lnRef>
-          <a:fillRef idx="1">
-            <a:schemeClr val="accent1"/>
-          </a:fillRef>
-          <a:effectRef idx="0">
-            <a:schemeClr val="accent1"/>
-          </a:effectRef>
-          <a:fontRef idx="minor">
-            <a:schemeClr val="lt1"/>
-          </a:fontRef>
-        </p:style>
-        <p:txBody>
-          <a:bodyPr rtlCol="0" anchor="ctr"/>
-          <a:lstStyle/>
-          <a:p>
-            <a:pPr algn="ctr"/>
-            <a:endParaRPr lang="en-US"/>
-          </a:p>
-        </p:txBody>
-      </p:sp>
-      <p:sp>
-        <p:nvSpPr>
-          <p:cNvPr id="10" name="Rectangle 9">
-            <a:extLst>
-              <a:ext uri="{FF2B5EF4-FFF2-40B4-BE49-F238E27FC236}">
-                <a16:creationId xmlns:a16="http://schemas.microsoft.com/office/drawing/2014/main" id="{1CF1AAE4-D0BC-430F-A613-7BBAAECA0C2D}"/>
-              </a:ext>
-              <a:ext uri="{C183D7F6-B498-43B3-948B-1728B52AA6E4}">
-                <adec:decorative xmlns:adec="http://schemas.microsoft.com/office/drawing/2017/decorative" val="1"/>
-              </a:ext>
-            </a:extLst>
-          </p:cNvPr>
-          <p:cNvSpPr>
-            <a:spLocks noGrp="1" noRot="1" noChangeAspect="1" noMove="1" noResize="1" noEditPoints="1" noAdjustHandles="1" noChangeArrowheads="1" noChangeShapeType="1" noTextEdit="1"/>
-          </p:cNvSpPr>
-          <p:nvPr>
-            <p:extLst>
-              <p:ext uri="{386F3935-93C4-4BCD-93E2-E3B085C9AB24}">
-                <p16:designElem xmlns:p16="http://schemas.microsoft.com/office/powerpoint/2015/main" val="1"/>
-              </p:ext>
-            </p:extLst>
-          </p:nvPr>
-        </p:nvSpPr>
-        <p:spPr>
-          <a:xfrm>
-            <a:off x="0" y="0"/>
-            <a:ext cx="12191999" cy="2285999"/>
-          </a:xfrm>
-          <a:prstGeom prst="rect">
-            <a:avLst/>
-          </a:prstGeom>
-          <a:solidFill>
-            <a:schemeClr val="tx1">
-              <a:lumMod val="85000"/>
-              <a:lumOff val="15000"/>
-            </a:schemeClr>
-          </a:solidFill>
-          <a:ln>
-            <a:noFill/>
-          </a:ln>
-        </p:spPr>
-        <p:style>
-          <a:lnRef idx="2">
-            <a:schemeClr val="accent1">
-              <a:shade val="50000"/>
-            </a:schemeClr>
-          </a:lnRef>
-          <a:fillRef idx="1">
-            <a:schemeClr val="accent1"/>
-          </a:fillRef>
-          <a:effectRef idx="0">
-            <a:schemeClr val="accent1"/>
-          </a:effectRef>
-          <a:fontRef idx="minor">
-            <a:schemeClr val="lt1"/>
-          </a:fontRef>
-        </p:style>
-        <p:txBody>
-          <a:bodyPr rtlCol="0" anchor="ctr"/>
-          <a:lstStyle/>
-          <a:p>
-            <a:pPr algn="ctr"/>
-            <a:endParaRPr lang="en-US"/>
-          </a:p>
-        </p:txBody>
-      </p:sp>
-      <p:sp>
-        <p:nvSpPr>
-          <p:cNvPr id="2" name="Title 1">
-            <a:extLst>
-              <a:ext uri="{FF2B5EF4-FFF2-40B4-BE49-F238E27FC236}">
-                <a16:creationId xmlns:a16="http://schemas.microsoft.com/office/drawing/2014/main" id="{C83F1664-E984-743C-A5C1-DAEBF9AC6B76}"/>
-              </a:ext>
-            </a:extLst>
-          </p:cNvPr>
-          <p:cNvSpPr>
-            <a:spLocks noGrp="1"/>
-          </p:cNvSpPr>
-          <p:nvPr>
-            <p:ph type="title"/>
-          </p:nvPr>
-        </p:nvSpPr>
-        <p:spPr>
-          <a:xfrm>
-            <a:off x="758952" y="379475"/>
-            <a:ext cx="10671048" cy="1554480"/>
-          </a:xfrm>
-        </p:spPr>
-        <p:txBody>
-          <a:bodyPr anchor="ctr">
-            <a:normAutofit/>
-          </a:bodyPr>
-          <a:lstStyle/>
-          <a:p>
-            <a:r>
-              <a:rPr lang="en-US" sz="5100">
-                <a:solidFill>
-                  <a:schemeClr val="bg1"/>
-                </a:solidFill>
-              </a:rPr>
-              <a:t>Report 3: Employee Hours per week over the last period</a:t>
-            </a:r>
-          </a:p>
-        </p:txBody>
-      </p:sp>
-      <p:sp>
-        <p:nvSpPr>
-          <p:cNvPr id="3" name="Content Placeholder 2">
-            <a:extLst>
-              <a:ext uri="{FF2B5EF4-FFF2-40B4-BE49-F238E27FC236}">
-                <a16:creationId xmlns:a16="http://schemas.microsoft.com/office/drawing/2014/main" id="{51749F38-385E-D63A-DE28-83FE8D4C00F1}"/>
-              </a:ext>
-            </a:extLst>
-          </p:cNvPr>
-          <p:cNvSpPr>
-            <a:spLocks noGrp="1"/>
-          </p:cNvSpPr>
-          <p:nvPr>
-            <p:ph idx="1"/>
-          </p:nvPr>
-        </p:nvSpPr>
-        <p:spPr>
-          <a:xfrm>
-            <a:off x="758824" y="2607732"/>
-            <a:ext cx="5601635" cy="3174357"/>
-          </a:xfrm>
-        </p:spPr>
-        <p:txBody>
-          <a:bodyPr>
-            <a:normAutofit/>
-          </a:bodyPr>
-          <a:lstStyle/>
-          <a:p>
-            <a:r>
-              <a:rPr lang="en-US" dirty="0"/>
-              <a:t>SQL Code/Description</a:t>
-            </a:r>
-          </a:p>
-          <a:p>
-            <a:endParaRPr lang="en-US" dirty="0"/>
-          </a:p>
-        </p:txBody>
-      </p:sp>
-      <p:sp>
-        <p:nvSpPr>
-          <p:cNvPr id="12" name="Freeform 6">
-            <a:extLst>
-              <a:ext uri="{FF2B5EF4-FFF2-40B4-BE49-F238E27FC236}">
-                <a16:creationId xmlns:a16="http://schemas.microsoft.com/office/drawing/2014/main" id="{A101E513-AF74-4E9D-A31F-99664250722D}"/>
-              </a:ext>
-              <a:ext uri="{C183D7F6-B498-43B3-948B-1728B52AA6E4}">
-                <adec:decorative xmlns:adec="http://schemas.microsoft.com/office/drawing/2017/decorative" val="1"/>
-              </a:ext>
-            </a:extLst>
-          </p:cNvPr>
-          <p:cNvSpPr>
-            <a:spLocks noGrp="1" noRot="1" noChangeAspect="1" noMove="1" noResize="1" noEditPoints="1" noAdjustHandles="1" noChangeArrowheads="1" noChangeShapeType="1" noTextEdit="1"/>
-          </p:cNvSpPr>
-          <p:nvPr>
-            <p:extLst>
-              <p:ext uri="{386F3935-93C4-4BCD-93E2-E3B085C9AB24}">
-                <p16:designElem xmlns:p16="http://schemas.microsoft.com/office/powerpoint/2015/main" val="1"/>
-              </p:ext>
-            </p:extLst>
-          </p:nvPr>
-        </p:nvSpPr>
-        <p:spPr bwMode="auto">
-          <a:xfrm>
-            <a:off x="11784011" y="5783564"/>
-            <a:ext cx="407988" cy="819150"/>
-          </a:xfrm>
-          <a:custGeom>
-            <a:avLst/>
-            <a:gdLst/>
-            <a:ahLst/>
-            <a:cxnLst/>
-            <a:rect l="0" t="0" r="r" b="b"/>
-            <a:pathLst>
-              <a:path w="1799" h="3612">
-                <a:moveTo>
-                  <a:pt x="1799" y="0"/>
-                </a:moveTo>
-                <a:lnTo>
-                  <a:pt x="1799" y="3612"/>
-                </a:lnTo>
-                <a:lnTo>
-                  <a:pt x="1686" y="3609"/>
-                </a:lnTo>
-                <a:lnTo>
-                  <a:pt x="1574" y="3598"/>
-                </a:lnTo>
-                <a:lnTo>
-                  <a:pt x="1464" y="3581"/>
-                </a:lnTo>
-                <a:lnTo>
-                  <a:pt x="1357" y="3557"/>
-                </a:lnTo>
-                <a:lnTo>
-                  <a:pt x="1251" y="3527"/>
-                </a:lnTo>
-                <a:lnTo>
-                  <a:pt x="1150" y="3490"/>
-                </a:lnTo>
-                <a:lnTo>
-                  <a:pt x="1050" y="3448"/>
-                </a:lnTo>
-                <a:lnTo>
-                  <a:pt x="953" y="3401"/>
-                </a:lnTo>
-                <a:lnTo>
-                  <a:pt x="860" y="3347"/>
-                </a:lnTo>
-                <a:lnTo>
-                  <a:pt x="771" y="3289"/>
-                </a:lnTo>
-                <a:lnTo>
-                  <a:pt x="686" y="3224"/>
-                </a:lnTo>
-                <a:lnTo>
-                  <a:pt x="604" y="3156"/>
-                </a:lnTo>
-                <a:lnTo>
-                  <a:pt x="527" y="3083"/>
-                </a:lnTo>
-                <a:lnTo>
-                  <a:pt x="454" y="3005"/>
-                </a:lnTo>
-                <a:lnTo>
-                  <a:pt x="386" y="2923"/>
-                </a:lnTo>
-                <a:lnTo>
-                  <a:pt x="323" y="2838"/>
-                </a:lnTo>
-                <a:lnTo>
-                  <a:pt x="265" y="2748"/>
-                </a:lnTo>
-                <a:lnTo>
-                  <a:pt x="211" y="2655"/>
-                </a:lnTo>
-                <a:lnTo>
-                  <a:pt x="163" y="2559"/>
-                </a:lnTo>
-                <a:lnTo>
-                  <a:pt x="121" y="2459"/>
-                </a:lnTo>
-                <a:lnTo>
-                  <a:pt x="85" y="2356"/>
-                </a:lnTo>
-                <a:lnTo>
-                  <a:pt x="55" y="2251"/>
-                </a:lnTo>
-                <a:lnTo>
-                  <a:pt x="32" y="2143"/>
-                </a:lnTo>
-                <a:lnTo>
-                  <a:pt x="14" y="2033"/>
-                </a:lnTo>
-                <a:lnTo>
-                  <a:pt x="4" y="1920"/>
-                </a:lnTo>
-                <a:lnTo>
-                  <a:pt x="0" y="1806"/>
-                </a:lnTo>
-                <a:lnTo>
-                  <a:pt x="4" y="1692"/>
-                </a:lnTo>
-                <a:lnTo>
-                  <a:pt x="14" y="1580"/>
-                </a:lnTo>
-                <a:lnTo>
-                  <a:pt x="32" y="1469"/>
-                </a:lnTo>
-                <a:lnTo>
-                  <a:pt x="55" y="1362"/>
-                </a:lnTo>
-                <a:lnTo>
-                  <a:pt x="85" y="1256"/>
-                </a:lnTo>
-                <a:lnTo>
-                  <a:pt x="121" y="1154"/>
-                </a:lnTo>
-                <a:lnTo>
-                  <a:pt x="163" y="1054"/>
-                </a:lnTo>
-                <a:lnTo>
-                  <a:pt x="211" y="958"/>
-                </a:lnTo>
-                <a:lnTo>
-                  <a:pt x="265" y="864"/>
-                </a:lnTo>
-                <a:lnTo>
-                  <a:pt x="323" y="774"/>
-                </a:lnTo>
-                <a:lnTo>
-                  <a:pt x="386" y="689"/>
-                </a:lnTo>
-                <a:lnTo>
-                  <a:pt x="454" y="607"/>
-                </a:lnTo>
-                <a:lnTo>
-                  <a:pt x="527" y="529"/>
-                </a:lnTo>
-                <a:lnTo>
-                  <a:pt x="604" y="456"/>
-                </a:lnTo>
-                <a:lnTo>
-                  <a:pt x="686" y="388"/>
-                </a:lnTo>
-                <a:lnTo>
-                  <a:pt x="771" y="325"/>
-                </a:lnTo>
-                <a:lnTo>
-                  <a:pt x="860" y="266"/>
-                </a:lnTo>
-                <a:lnTo>
-                  <a:pt x="953" y="212"/>
-                </a:lnTo>
-                <a:lnTo>
-                  <a:pt x="1050" y="164"/>
-                </a:lnTo>
-                <a:lnTo>
-                  <a:pt x="1150" y="122"/>
-                </a:lnTo>
-                <a:lnTo>
-                  <a:pt x="1251" y="85"/>
-                </a:lnTo>
-                <a:lnTo>
-                  <a:pt x="1357" y="55"/>
-                </a:lnTo>
-                <a:lnTo>
-                  <a:pt x="1464" y="32"/>
-                </a:lnTo>
-                <a:lnTo>
-                  <a:pt x="1574" y="14"/>
-                </a:lnTo>
-                <a:lnTo>
-                  <a:pt x="1686" y="5"/>
-                </a:lnTo>
-                <a:lnTo>
-                  <a:pt x="1799" y="0"/>
-                </a:lnTo>
-                <a:close/>
-              </a:path>
-            </a:pathLst>
-          </a:custGeom>
-          <a:solidFill>
-            <a:schemeClr val="tx1">
-              <a:lumMod val="85000"/>
-              <a:lumOff val="15000"/>
-            </a:schemeClr>
-          </a:solidFill>
-          <a:ln w="0">
-            <a:noFill/>
-            <a:prstDash val="solid"/>
-            <a:round/>
-            <a:headEnd/>
-            <a:tailEnd/>
-          </a:ln>
-        </p:spPr>
-        <p:txBody>
-          <a:bodyPr anchor="ctr"/>
-          <a:lstStyle/>
-          <a:p>
-            <a:endParaRPr lang="en-US"/>
-          </a:p>
-        </p:txBody>
-      </p:sp>
-    </p:spTree>
-    <p:extLst>
-      <p:ext uri="{BB962C8B-B14F-4D97-AF65-F5344CB8AC3E}">
-        <p14:creationId xmlns:p14="http://schemas.microsoft.com/office/powerpoint/2010/main" val="3981163447"/>
       </p:ext>
     </p:extLst>
   </p:cSld>
